--- a/ grad_ppt.pptx
+++ b/ grad_ppt.pptx
@@ -4,17 +4,26 @@
   <p:sldMasterIdLst>
     <p:sldMasterId id="2147483648" r:id="rId1"/>
   </p:sldMasterIdLst>
+  <p:notesMasterIdLst>
+    <p:notesMasterId r:id="rId18"/>
+  </p:notesMasterIdLst>
   <p:sldIdLst>
     <p:sldId id="256" r:id="rId2"/>
     <p:sldId id="261" r:id="rId3"/>
     <p:sldId id="257" r:id="rId4"/>
-    <p:sldId id="259" r:id="rId5"/>
-    <p:sldId id="262" r:id="rId6"/>
-    <p:sldId id="263" r:id="rId7"/>
-    <p:sldId id="264" r:id="rId8"/>
-    <p:sldId id="265" r:id="rId9"/>
-    <p:sldId id="258" r:id="rId10"/>
-    <p:sldId id="260" r:id="rId11"/>
+    <p:sldId id="267" r:id="rId5"/>
+    <p:sldId id="270" r:id="rId6"/>
+    <p:sldId id="268" r:id="rId7"/>
+    <p:sldId id="269" r:id="rId8"/>
+    <p:sldId id="259" r:id="rId9"/>
+    <p:sldId id="266" r:id="rId10"/>
+    <p:sldId id="271" r:id="rId11"/>
+    <p:sldId id="262" r:id="rId12"/>
+    <p:sldId id="263" r:id="rId13"/>
+    <p:sldId id="264" r:id="rId14"/>
+    <p:sldId id="265" r:id="rId15"/>
+    <p:sldId id="258" r:id="rId16"/>
+    <p:sldId id="260" r:id="rId17"/>
   </p:sldIdLst>
   <p:sldSz cx="9144000" cy="6858000" type="screen4x3"/>
   <p:notesSz cx="6858000" cy="9144000"/>
@@ -116,6 +125,564 @@
 </p:presentation>
 </file>
 
+<file path=ppt/notesMasters/notesMaster1.xml><?xml version="1.0" encoding="utf-8"?>
+<p:notesMaster xmlns:a="http://schemas.openxmlformats.org/drawingml/2006/main" xmlns:r="http://schemas.openxmlformats.org/officeDocument/2006/relationships" xmlns:p="http://schemas.openxmlformats.org/presentationml/2006/main">
+  <p:cSld>
+    <p:bg>
+      <p:bgRef idx="1001">
+        <a:schemeClr val="bg1"/>
+      </p:bgRef>
+    </p:bg>
+    <p:spTree>
+      <p:nvGrpSpPr>
+        <p:cNvPr id="1" name=""/>
+        <p:cNvGrpSpPr/>
+        <p:nvPr/>
+      </p:nvGrpSpPr>
+      <p:grpSpPr>
+        <a:xfrm>
+          <a:off x="0" y="0"/>
+          <a:ext cx="0" cy="0"/>
+          <a:chOff x="0" y="0"/>
+          <a:chExt cx="0" cy="0"/>
+        </a:xfrm>
+      </p:grpSpPr>
+      <p:sp>
+        <p:nvSpPr>
+          <p:cNvPr id="2" name="ヘッダー プレースホルダー 1"/>
+          <p:cNvSpPr>
+            <a:spLocks noGrp="1"/>
+          </p:cNvSpPr>
+          <p:nvPr>
+            <p:ph type="hdr" sz="quarter"/>
+          </p:nvPr>
+        </p:nvSpPr>
+        <p:spPr>
+          <a:xfrm>
+            <a:off x="0" y="0"/>
+            <a:ext cx="2971800" cy="457200"/>
+          </a:xfrm>
+          <a:prstGeom prst="rect">
+            <a:avLst/>
+          </a:prstGeom>
+        </p:spPr>
+        <p:txBody>
+          <a:bodyPr vert="horz" lIns="91440" tIns="45720" rIns="91440" bIns="45720" rtlCol="0"/>
+          <a:lstStyle>
+            <a:lvl1pPr algn="l">
+              <a:defRPr sz="1200"/>
+            </a:lvl1pPr>
+          </a:lstStyle>
+          <a:p>
+            <a:endParaRPr kumimoji="1" lang="ja-JP" altLang="en-US"/>
+          </a:p>
+        </p:txBody>
+      </p:sp>
+      <p:sp>
+        <p:nvSpPr>
+          <p:cNvPr id="3" name="日付プレースホルダー 2"/>
+          <p:cNvSpPr>
+            <a:spLocks noGrp="1"/>
+          </p:cNvSpPr>
+          <p:nvPr>
+            <p:ph type="dt" idx="1"/>
+          </p:nvPr>
+        </p:nvSpPr>
+        <p:spPr>
+          <a:xfrm>
+            <a:off x="3884613" y="0"/>
+            <a:ext cx="2971800" cy="457200"/>
+          </a:xfrm>
+          <a:prstGeom prst="rect">
+            <a:avLst/>
+          </a:prstGeom>
+        </p:spPr>
+        <p:txBody>
+          <a:bodyPr vert="horz" lIns="91440" tIns="45720" rIns="91440" bIns="45720" rtlCol="0"/>
+          <a:lstStyle>
+            <a:lvl1pPr algn="r">
+              <a:defRPr sz="1200"/>
+            </a:lvl1pPr>
+          </a:lstStyle>
+          <a:p>
+            <a:fld id="{94886DB7-2E3A-E746-B000-ADB54AB3F50A}" type="datetimeFigureOut">
+              <a:rPr kumimoji="1" lang="ja-JP" altLang="en-US" smtClean="0"/>
+              <a:t>17/01/20</a:t>
+            </a:fld>
+            <a:endParaRPr kumimoji="1" lang="ja-JP" altLang="en-US"/>
+          </a:p>
+        </p:txBody>
+      </p:sp>
+      <p:sp>
+        <p:nvSpPr>
+          <p:cNvPr id="4" name="スライド イメージ プレースホルダー 3"/>
+          <p:cNvSpPr>
+            <a:spLocks noGrp="1" noRot="1" noChangeAspect="1"/>
+          </p:cNvSpPr>
+          <p:nvPr>
+            <p:ph type="sldImg" idx="2"/>
+          </p:nvPr>
+        </p:nvSpPr>
+        <p:spPr>
+          <a:xfrm>
+            <a:off x="1143000" y="685800"/>
+            <a:ext cx="4572000" cy="3429000"/>
+          </a:xfrm>
+          <a:prstGeom prst="rect">
+            <a:avLst/>
+          </a:prstGeom>
+          <a:noFill/>
+          <a:ln w="12700">
+            <a:solidFill>
+              <a:prstClr val="black"/>
+            </a:solidFill>
+          </a:ln>
+        </p:spPr>
+        <p:txBody>
+          <a:bodyPr vert="horz" lIns="91440" tIns="45720" rIns="91440" bIns="45720" rtlCol="0" anchor="ctr"/>
+          <a:lstStyle/>
+          <a:p>
+            <a:endParaRPr lang="ja-JP" altLang="en-US"/>
+          </a:p>
+        </p:txBody>
+      </p:sp>
+      <p:sp>
+        <p:nvSpPr>
+          <p:cNvPr id="5" name="ノート プレースホルダー 4"/>
+          <p:cNvSpPr>
+            <a:spLocks noGrp="1"/>
+          </p:cNvSpPr>
+          <p:nvPr>
+            <p:ph type="body" sz="quarter" idx="3"/>
+          </p:nvPr>
+        </p:nvSpPr>
+        <p:spPr>
+          <a:xfrm>
+            <a:off x="685800" y="4343400"/>
+            <a:ext cx="5486400" cy="4114800"/>
+          </a:xfrm>
+          <a:prstGeom prst="rect">
+            <a:avLst/>
+          </a:prstGeom>
+        </p:spPr>
+        <p:txBody>
+          <a:bodyPr vert="horz" lIns="91440" tIns="45720" rIns="91440" bIns="45720" rtlCol="0"/>
+          <a:lstStyle/>
+          <a:p>
+            <a:pPr lvl="0"/>
+            <a:r>
+              <a:rPr kumimoji="1" lang="ja-JP" altLang="en-US" smtClean="0"/>
+              <a:t>マスター テキストの書式設定</a:t>
+            </a:r>
+          </a:p>
+          <a:p>
+            <a:pPr lvl="1"/>
+            <a:r>
+              <a:rPr kumimoji="1" lang="ja-JP" altLang="en-US" smtClean="0"/>
+              <a:t>第 </a:t>
+            </a:r>
+            <a:r>
+              <a:rPr kumimoji="1" lang="en-US" altLang="ja-JP" smtClean="0"/>
+              <a:t>2 </a:t>
+            </a:r>
+            <a:r>
+              <a:rPr kumimoji="1" lang="ja-JP" altLang="en-US" smtClean="0"/>
+              <a:t>レベル</a:t>
+            </a:r>
+          </a:p>
+          <a:p>
+            <a:pPr lvl="2"/>
+            <a:r>
+              <a:rPr kumimoji="1" lang="ja-JP" altLang="en-US" smtClean="0"/>
+              <a:t>第 </a:t>
+            </a:r>
+            <a:r>
+              <a:rPr kumimoji="1" lang="en-US" altLang="ja-JP" smtClean="0"/>
+              <a:t>3 </a:t>
+            </a:r>
+            <a:r>
+              <a:rPr kumimoji="1" lang="ja-JP" altLang="en-US" smtClean="0"/>
+              <a:t>レベル</a:t>
+            </a:r>
+          </a:p>
+          <a:p>
+            <a:pPr lvl="3"/>
+            <a:r>
+              <a:rPr kumimoji="1" lang="ja-JP" altLang="en-US" smtClean="0"/>
+              <a:t>第 </a:t>
+            </a:r>
+            <a:r>
+              <a:rPr kumimoji="1" lang="en-US" altLang="ja-JP" smtClean="0"/>
+              <a:t>4 </a:t>
+            </a:r>
+            <a:r>
+              <a:rPr kumimoji="1" lang="ja-JP" altLang="en-US" smtClean="0"/>
+              <a:t>レベル</a:t>
+            </a:r>
+          </a:p>
+          <a:p>
+            <a:pPr lvl="4"/>
+            <a:r>
+              <a:rPr kumimoji="1" lang="ja-JP" altLang="en-US" smtClean="0"/>
+              <a:t>第 </a:t>
+            </a:r>
+            <a:r>
+              <a:rPr kumimoji="1" lang="en-US" altLang="ja-JP" smtClean="0"/>
+              <a:t>5 </a:t>
+            </a:r>
+            <a:r>
+              <a:rPr kumimoji="1" lang="ja-JP" altLang="en-US" smtClean="0"/>
+              <a:t>レベル</a:t>
+            </a:r>
+            <a:endParaRPr kumimoji="1" lang="ja-JP" altLang="en-US"/>
+          </a:p>
+        </p:txBody>
+      </p:sp>
+      <p:sp>
+        <p:nvSpPr>
+          <p:cNvPr id="6" name="フッター プレースホルダー 5"/>
+          <p:cNvSpPr>
+            <a:spLocks noGrp="1"/>
+          </p:cNvSpPr>
+          <p:nvPr>
+            <p:ph type="ftr" sz="quarter" idx="4"/>
+          </p:nvPr>
+        </p:nvSpPr>
+        <p:spPr>
+          <a:xfrm>
+            <a:off x="0" y="8685213"/>
+            <a:ext cx="2971800" cy="457200"/>
+          </a:xfrm>
+          <a:prstGeom prst="rect">
+            <a:avLst/>
+          </a:prstGeom>
+        </p:spPr>
+        <p:txBody>
+          <a:bodyPr vert="horz" lIns="91440" tIns="45720" rIns="91440" bIns="45720" rtlCol="0" anchor="b"/>
+          <a:lstStyle>
+            <a:lvl1pPr algn="l">
+              <a:defRPr sz="1200"/>
+            </a:lvl1pPr>
+          </a:lstStyle>
+          <a:p>
+            <a:endParaRPr kumimoji="1" lang="ja-JP" altLang="en-US"/>
+          </a:p>
+        </p:txBody>
+      </p:sp>
+      <p:sp>
+        <p:nvSpPr>
+          <p:cNvPr id="7" name="スライド番号プレースホルダー 6"/>
+          <p:cNvSpPr>
+            <a:spLocks noGrp="1"/>
+          </p:cNvSpPr>
+          <p:nvPr>
+            <p:ph type="sldNum" sz="quarter" idx="5"/>
+          </p:nvPr>
+        </p:nvSpPr>
+        <p:spPr>
+          <a:xfrm>
+            <a:off x="3884613" y="8685213"/>
+            <a:ext cx="2971800" cy="457200"/>
+          </a:xfrm>
+          <a:prstGeom prst="rect">
+            <a:avLst/>
+          </a:prstGeom>
+        </p:spPr>
+        <p:txBody>
+          <a:bodyPr vert="horz" lIns="91440" tIns="45720" rIns="91440" bIns="45720" rtlCol="0" anchor="b"/>
+          <a:lstStyle>
+            <a:lvl1pPr algn="r">
+              <a:defRPr sz="1200"/>
+            </a:lvl1pPr>
+          </a:lstStyle>
+          <a:p>
+            <a:fld id="{D7107B1F-1F0A-9846-AC89-B59DA5077190}" type="slidenum">
+              <a:rPr kumimoji="1" lang="ja-JP" altLang="en-US" smtClean="0"/>
+              <a:t>‹#›</a:t>
+            </a:fld>
+            <a:endParaRPr kumimoji="1" lang="ja-JP" altLang="en-US"/>
+          </a:p>
+        </p:txBody>
+      </p:sp>
+    </p:spTree>
+    <p:extLst>
+      <p:ext uri="{BB962C8B-B14F-4D97-AF65-F5344CB8AC3E}">
+        <p14:creationId xmlns:p14="http://schemas.microsoft.com/office/powerpoint/2010/main" val="1977822583"/>
+      </p:ext>
+    </p:extLst>
+  </p:cSld>
+  <p:clrMap bg1="lt1" tx1="dk1" bg2="lt2" tx2="dk2" accent1="accent1" accent2="accent2" accent3="accent3" accent4="accent4" accent5="accent5" accent6="accent6" hlink="hlink" folHlink="folHlink"/>
+  <p:notesStyle>
+    <a:lvl1pPr marL="0" algn="l" defTabSz="457200" rtl="0" eaLnBrk="1" latinLnBrk="0" hangingPunct="1">
+      <a:defRPr kumimoji="1" sz="1200" kern="1200">
+        <a:solidFill>
+          <a:schemeClr val="tx1"/>
+        </a:solidFill>
+        <a:latin typeface="+mn-lt"/>
+        <a:ea typeface="+mn-ea"/>
+        <a:cs typeface="+mn-cs"/>
+      </a:defRPr>
+    </a:lvl1pPr>
+    <a:lvl2pPr marL="457200" algn="l" defTabSz="457200" rtl="0" eaLnBrk="1" latinLnBrk="0" hangingPunct="1">
+      <a:defRPr kumimoji="1" sz="1200" kern="1200">
+        <a:solidFill>
+          <a:schemeClr val="tx1"/>
+        </a:solidFill>
+        <a:latin typeface="+mn-lt"/>
+        <a:ea typeface="+mn-ea"/>
+        <a:cs typeface="+mn-cs"/>
+      </a:defRPr>
+    </a:lvl2pPr>
+    <a:lvl3pPr marL="914400" algn="l" defTabSz="457200" rtl="0" eaLnBrk="1" latinLnBrk="0" hangingPunct="1">
+      <a:defRPr kumimoji="1" sz="1200" kern="1200">
+        <a:solidFill>
+          <a:schemeClr val="tx1"/>
+        </a:solidFill>
+        <a:latin typeface="+mn-lt"/>
+        <a:ea typeface="+mn-ea"/>
+        <a:cs typeface="+mn-cs"/>
+      </a:defRPr>
+    </a:lvl3pPr>
+    <a:lvl4pPr marL="1371600" algn="l" defTabSz="457200" rtl="0" eaLnBrk="1" latinLnBrk="0" hangingPunct="1">
+      <a:defRPr kumimoji="1" sz="1200" kern="1200">
+        <a:solidFill>
+          <a:schemeClr val="tx1"/>
+        </a:solidFill>
+        <a:latin typeface="+mn-lt"/>
+        <a:ea typeface="+mn-ea"/>
+        <a:cs typeface="+mn-cs"/>
+      </a:defRPr>
+    </a:lvl4pPr>
+    <a:lvl5pPr marL="1828800" algn="l" defTabSz="457200" rtl="0" eaLnBrk="1" latinLnBrk="0" hangingPunct="1">
+      <a:defRPr kumimoji="1" sz="1200" kern="1200">
+        <a:solidFill>
+          <a:schemeClr val="tx1"/>
+        </a:solidFill>
+        <a:latin typeface="+mn-lt"/>
+        <a:ea typeface="+mn-ea"/>
+        <a:cs typeface="+mn-cs"/>
+      </a:defRPr>
+    </a:lvl5pPr>
+    <a:lvl6pPr marL="2286000" algn="l" defTabSz="457200" rtl="0" eaLnBrk="1" latinLnBrk="0" hangingPunct="1">
+      <a:defRPr kumimoji="1" sz="1200" kern="1200">
+        <a:solidFill>
+          <a:schemeClr val="tx1"/>
+        </a:solidFill>
+        <a:latin typeface="+mn-lt"/>
+        <a:ea typeface="+mn-ea"/>
+        <a:cs typeface="+mn-cs"/>
+      </a:defRPr>
+    </a:lvl6pPr>
+    <a:lvl7pPr marL="2743200" algn="l" defTabSz="457200" rtl="0" eaLnBrk="1" latinLnBrk="0" hangingPunct="1">
+      <a:defRPr kumimoji="1" sz="1200" kern="1200">
+        <a:solidFill>
+          <a:schemeClr val="tx1"/>
+        </a:solidFill>
+        <a:latin typeface="+mn-lt"/>
+        <a:ea typeface="+mn-ea"/>
+        <a:cs typeface="+mn-cs"/>
+      </a:defRPr>
+    </a:lvl7pPr>
+    <a:lvl8pPr marL="3200400" algn="l" defTabSz="457200" rtl="0" eaLnBrk="1" latinLnBrk="0" hangingPunct="1">
+      <a:defRPr kumimoji="1" sz="1200" kern="1200">
+        <a:solidFill>
+          <a:schemeClr val="tx1"/>
+        </a:solidFill>
+        <a:latin typeface="+mn-lt"/>
+        <a:ea typeface="+mn-ea"/>
+        <a:cs typeface="+mn-cs"/>
+      </a:defRPr>
+    </a:lvl8pPr>
+    <a:lvl9pPr marL="3657600" algn="l" defTabSz="457200" rtl="0" eaLnBrk="1" latinLnBrk="0" hangingPunct="1">
+      <a:defRPr kumimoji="1" sz="1200" kern="1200">
+        <a:solidFill>
+          <a:schemeClr val="tx1"/>
+        </a:solidFill>
+        <a:latin typeface="+mn-lt"/>
+        <a:ea typeface="+mn-ea"/>
+        <a:cs typeface="+mn-cs"/>
+      </a:defRPr>
+    </a:lvl9pPr>
+  </p:notesStyle>
+</p:notesMaster>
+</file>
+
+<file path=ppt/notesSlides/notesSlide1.xml><?xml version="1.0" encoding="utf-8"?>
+<p:notes xmlns:a="http://schemas.openxmlformats.org/drawingml/2006/main" xmlns:r="http://schemas.openxmlformats.org/officeDocument/2006/relationships" xmlns:p="http://schemas.openxmlformats.org/presentationml/2006/main">
+  <p:cSld>
+    <p:spTree>
+      <p:nvGrpSpPr>
+        <p:cNvPr id="1" name=""/>
+        <p:cNvGrpSpPr/>
+        <p:nvPr/>
+      </p:nvGrpSpPr>
+      <p:grpSpPr>
+        <a:xfrm>
+          <a:off x="0" y="0"/>
+          <a:ext cx="0" cy="0"/>
+          <a:chOff x="0" y="0"/>
+          <a:chExt cx="0" cy="0"/>
+        </a:xfrm>
+      </p:grpSpPr>
+      <p:sp>
+        <p:nvSpPr>
+          <p:cNvPr id="2" name="スライド イメージ プレースホルダー 1"/>
+          <p:cNvSpPr>
+            <a:spLocks noGrp="1" noRot="1" noChangeAspect="1"/>
+          </p:cNvSpPr>
+          <p:nvPr>
+            <p:ph type="sldImg"/>
+          </p:nvPr>
+        </p:nvSpPr>
+        <p:spPr/>
+      </p:sp>
+      <p:sp>
+        <p:nvSpPr>
+          <p:cNvPr id="3" name="ノート プレースホルダー 2"/>
+          <p:cNvSpPr>
+            <a:spLocks noGrp="1"/>
+          </p:cNvSpPr>
+          <p:nvPr>
+            <p:ph type="body" idx="1"/>
+          </p:nvPr>
+        </p:nvSpPr>
+        <p:spPr/>
+        <p:txBody>
+          <a:bodyPr/>
+          <a:lstStyle/>
+          <a:p>
+            <a:r>
+              <a:rPr kumimoji="1" lang="ja-JP" altLang="en-US" dirty="0" smtClean="0"/>
+              <a:t>現状分析</a:t>
+            </a:r>
+            <a:endParaRPr kumimoji="1" lang="ja-JP" altLang="en-US" dirty="0"/>
+          </a:p>
+        </p:txBody>
+      </p:sp>
+      <p:sp>
+        <p:nvSpPr>
+          <p:cNvPr id="4" name="スライド番号プレースホルダー 3"/>
+          <p:cNvSpPr>
+            <a:spLocks noGrp="1"/>
+          </p:cNvSpPr>
+          <p:nvPr>
+            <p:ph type="sldNum" sz="quarter" idx="10"/>
+          </p:nvPr>
+        </p:nvSpPr>
+        <p:spPr/>
+        <p:txBody>
+          <a:bodyPr/>
+          <a:lstStyle/>
+          <a:p>
+            <a:fld id="{D7107B1F-1F0A-9846-AC89-B59DA5077190}" type="slidenum">
+              <a:rPr kumimoji="1" lang="ja-JP" altLang="en-US" smtClean="0"/>
+              <a:t>3</a:t>
+            </a:fld>
+            <a:endParaRPr kumimoji="1" lang="ja-JP" altLang="en-US"/>
+          </a:p>
+        </p:txBody>
+      </p:sp>
+    </p:spTree>
+    <p:extLst>
+      <p:ext uri="{BB962C8B-B14F-4D97-AF65-F5344CB8AC3E}">
+        <p14:creationId xmlns:p14="http://schemas.microsoft.com/office/powerpoint/2010/main" val="3055961085"/>
+      </p:ext>
+    </p:extLst>
+  </p:cSld>
+  <p:clrMapOvr>
+    <a:masterClrMapping/>
+  </p:clrMapOvr>
+</p:notes>
+</file>
+
+<file path=ppt/notesSlides/notesSlide2.xml><?xml version="1.0" encoding="utf-8"?>
+<p:notes xmlns:a="http://schemas.openxmlformats.org/drawingml/2006/main" xmlns:r="http://schemas.openxmlformats.org/officeDocument/2006/relationships" xmlns:p="http://schemas.openxmlformats.org/presentationml/2006/main">
+  <p:cSld>
+    <p:spTree>
+      <p:nvGrpSpPr>
+        <p:cNvPr id="1" name=""/>
+        <p:cNvGrpSpPr/>
+        <p:nvPr/>
+      </p:nvGrpSpPr>
+      <p:grpSpPr>
+        <a:xfrm>
+          <a:off x="0" y="0"/>
+          <a:ext cx="0" cy="0"/>
+          <a:chOff x="0" y="0"/>
+          <a:chExt cx="0" cy="0"/>
+        </a:xfrm>
+      </p:grpSpPr>
+      <p:sp>
+        <p:nvSpPr>
+          <p:cNvPr id="2" name="スライド イメージ プレースホルダー 1"/>
+          <p:cNvSpPr>
+            <a:spLocks noGrp="1" noRot="1" noChangeAspect="1"/>
+          </p:cNvSpPr>
+          <p:nvPr>
+            <p:ph type="sldImg"/>
+          </p:nvPr>
+        </p:nvSpPr>
+        <p:spPr/>
+      </p:sp>
+      <p:sp>
+        <p:nvSpPr>
+          <p:cNvPr id="3" name="ノート プレースホルダー 2"/>
+          <p:cNvSpPr>
+            <a:spLocks noGrp="1"/>
+          </p:cNvSpPr>
+          <p:nvPr>
+            <p:ph type="body" idx="1"/>
+          </p:nvPr>
+        </p:nvSpPr>
+        <p:spPr/>
+        <p:txBody>
+          <a:bodyPr/>
+          <a:lstStyle/>
+          <a:p>
+            <a:r>
+              <a:rPr kumimoji="1" lang="ja-JP" altLang="en-US" dirty="0" smtClean="0"/>
+              <a:t>問題点の指摘、現在のデメリットと今後のメリット</a:t>
+            </a:r>
+            <a:endParaRPr kumimoji="1" lang="ja-JP" altLang="en-US" dirty="0"/>
+          </a:p>
+        </p:txBody>
+      </p:sp>
+      <p:sp>
+        <p:nvSpPr>
+          <p:cNvPr id="4" name="スライド番号プレースホルダー 3"/>
+          <p:cNvSpPr>
+            <a:spLocks noGrp="1"/>
+          </p:cNvSpPr>
+          <p:nvPr>
+            <p:ph type="sldNum" sz="quarter" idx="10"/>
+          </p:nvPr>
+        </p:nvSpPr>
+        <p:spPr/>
+        <p:txBody>
+          <a:bodyPr/>
+          <a:lstStyle/>
+          <a:p>
+            <a:fld id="{D7107B1F-1F0A-9846-AC89-B59DA5077190}" type="slidenum">
+              <a:rPr kumimoji="1" lang="ja-JP" altLang="en-US" smtClean="0"/>
+              <a:t>9</a:t>
+            </a:fld>
+            <a:endParaRPr kumimoji="1" lang="ja-JP" altLang="en-US"/>
+          </a:p>
+        </p:txBody>
+      </p:sp>
+    </p:spTree>
+    <p:extLst>
+      <p:ext uri="{BB962C8B-B14F-4D97-AF65-F5344CB8AC3E}">
+        <p14:creationId xmlns:p14="http://schemas.microsoft.com/office/powerpoint/2010/main" val="2279955978"/>
+      </p:ext>
+    </p:extLst>
+  </p:cSld>
+  <p:clrMapOvr>
+    <a:masterClrMapping/>
+  </p:clrMapOvr>
+</p:notes>
+</file>
+
 <file path=ppt/slideLayouts/slideLayout1.xml><?xml version="1.0" encoding="utf-8"?>
 <p:sldLayout xmlns:a="http://schemas.openxmlformats.org/drawingml/2006/main" xmlns:r="http://schemas.openxmlformats.org/officeDocument/2006/relationships" xmlns:p="http://schemas.openxmlformats.org/presentationml/2006/main" type="title" preserve="1">
   <p:cSld name="タイトル スライド">
@@ -297,7 +864,7 @@
           <a:p>
             <a:fld id="{BBD0F698-A70D-D34D-B6C0-4CAAF2AC1194}" type="datetimeFigureOut">
               <a:rPr kumimoji="1" lang="ja-JP" altLang="en-US" smtClean="0"/>
-              <a:t>17/01/19</a:t>
+              <a:t>17/01/20</a:t>
             </a:fld>
             <a:endParaRPr kumimoji="1" lang="ja-JP" altLang="en-US"/>
           </a:p>
@@ -499,7 +1066,7 @@
           <a:p>
             <a:fld id="{BBD0F698-A70D-D34D-B6C0-4CAAF2AC1194}" type="datetimeFigureOut">
               <a:rPr kumimoji="1" lang="ja-JP" altLang="en-US" smtClean="0"/>
-              <a:t>17/01/19</a:t>
+              <a:t>17/01/20</a:t>
             </a:fld>
             <a:endParaRPr kumimoji="1" lang="ja-JP" altLang="en-US"/>
           </a:p>
@@ -711,7 +1278,7 @@
           <a:p>
             <a:fld id="{BBD0F698-A70D-D34D-B6C0-4CAAF2AC1194}" type="datetimeFigureOut">
               <a:rPr kumimoji="1" lang="ja-JP" altLang="en-US" smtClean="0"/>
-              <a:t>17/01/19</a:t>
+              <a:t>17/01/20</a:t>
             </a:fld>
             <a:endParaRPr kumimoji="1" lang="ja-JP" altLang="en-US"/>
           </a:p>
@@ -913,7 +1480,7 @@
           <a:p>
             <a:fld id="{BBD0F698-A70D-D34D-B6C0-4CAAF2AC1194}" type="datetimeFigureOut">
               <a:rPr kumimoji="1" lang="ja-JP" altLang="en-US" smtClean="0"/>
-              <a:t>17/01/19</a:t>
+              <a:t>17/01/20</a:t>
             </a:fld>
             <a:endParaRPr kumimoji="1" lang="ja-JP" altLang="en-US"/>
           </a:p>
@@ -1159,7 +1726,7 @@
           <a:p>
             <a:fld id="{BBD0F698-A70D-D34D-B6C0-4CAAF2AC1194}" type="datetimeFigureOut">
               <a:rPr kumimoji="1" lang="ja-JP" altLang="en-US" smtClean="0"/>
-              <a:t>17/01/19</a:t>
+              <a:t>17/01/20</a:t>
             </a:fld>
             <a:endParaRPr kumimoji="1" lang="ja-JP" altLang="en-US"/>
           </a:p>
@@ -1511,7 +2078,7 @@
           <a:p>
             <a:fld id="{BBD0F698-A70D-D34D-B6C0-4CAAF2AC1194}" type="datetimeFigureOut">
               <a:rPr kumimoji="1" lang="ja-JP" altLang="en-US" smtClean="0"/>
-              <a:t>17/01/19</a:t>
+              <a:t>17/01/20</a:t>
             </a:fld>
             <a:endParaRPr kumimoji="1" lang="ja-JP" altLang="en-US"/>
           </a:p>
@@ -1997,7 +2564,7 @@
           <a:p>
             <a:fld id="{BBD0F698-A70D-D34D-B6C0-4CAAF2AC1194}" type="datetimeFigureOut">
               <a:rPr kumimoji="1" lang="ja-JP" altLang="en-US" smtClean="0"/>
-              <a:t>17/01/19</a:t>
+              <a:t>17/01/20</a:t>
             </a:fld>
             <a:endParaRPr kumimoji="1" lang="ja-JP" altLang="en-US"/>
           </a:p>
@@ -2115,7 +2682,7 @@
           <a:p>
             <a:fld id="{BBD0F698-A70D-D34D-B6C0-4CAAF2AC1194}" type="datetimeFigureOut">
               <a:rPr kumimoji="1" lang="ja-JP" altLang="en-US" smtClean="0"/>
-              <a:t>17/01/19</a:t>
+              <a:t>17/01/20</a:t>
             </a:fld>
             <a:endParaRPr kumimoji="1" lang="ja-JP" altLang="en-US"/>
           </a:p>
@@ -2210,7 +2777,7 @@
           <a:p>
             <a:fld id="{BBD0F698-A70D-D34D-B6C0-4CAAF2AC1194}" type="datetimeFigureOut">
               <a:rPr kumimoji="1" lang="ja-JP" altLang="en-US" smtClean="0"/>
-              <a:t>17/01/19</a:t>
+              <a:t>17/01/20</a:t>
             </a:fld>
             <a:endParaRPr kumimoji="1" lang="ja-JP" altLang="en-US"/>
           </a:p>
@@ -2519,7 +3086,7 @@
           <a:p>
             <a:fld id="{BBD0F698-A70D-D34D-B6C0-4CAAF2AC1194}" type="datetimeFigureOut">
               <a:rPr kumimoji="1" lang="ja-JP" altLang="en-US" smtClean="0"/>
-              <a:t>17/01/19</a:t>
+              <a:t>17/01/20</a:t>
             </a:fld>
             <a:endParaRPr kumimoji="1" lang="ja-JP" altLang="en-US"/>
           </a:p>
@@ -2772,7 +3339,7 @@
           <a:p>
             <a:fld id="{BBD0F698-A70D-D34D-B6C0-4CAAF2AC1194}" type="datetimeFigureOut">
               <a:rPr kumimoji="1" lang="ja-JP" altLang="en-US" smtClean="0"/>
-              <a:t>17/01/19</a:t>
+              <a:t>17/01/20</a:t>
             </a:fld>
             <a:endParaRPr kumimoji="1" lang="ja-JP" altLang="en-US"/>
           </a:p>
@@ -3017,7 +3584,7 @@
           <a:p>
             <a:fld id="{BBD0F698-A70D-D34D-B6C0-4CAAF2AC1194}" type="datetimeFigureOut">
               <a:rPr kumimoji="1" lang="ja-JP" altLang="en-US" smtClean="0"/>
-              <a:t>17/01/19</a:t>
+              <a:t>17/01/20</a:t>
             </a:fld>
             <a:endParaRPr kumimoji="1" lang="ja-JP" altLang="en-US"/>
           </a:p>
@@ -3501,6 +4068,467 @@
             <a:spLocks noGrp="1"/>
           </p:cNvSpPr>
           <p:nvPr>
+            <p:ph type="title"/>
+          </p:nvPr>
+        </p:nvSpPr>
+        <p:spPr/>
+        <p:txBody>
+          <a:bodyPr/>
+          <a:lstStyle/>
+          <a:p>
+            <a:r>
+              <a:rPr kumimoji="1" lang="ja-JP" altLang="en-US" dirty="0" smtClean="0"/>
+              <a:t>研究方法</a:t>
+            </a:r>
+            <a:endParaRPr kumimoji="1" lang="ja-JP" altLang="en-US" dirty="0"/>
+          </a:p>
+        </p:txBody>
+      </p:sp>
+      <p:sp>
+        <p:nvSpPr>
+          <p:cNvPr id="3" name="コンテンツ プレースホルダー 2"/>
+          <p:cNvSpPr>
+            <a:spLocks noGrp="1"/>
+          </p:cNvSpPr>
+          <p:nvPr>
+            <p:ph idx="1"/>
+          </p:nvPr>
+        </p:nvSpPr>
+        <p:spPr/>
+        <p:txBody>
+          <a:bodyPr/>
+          <a:lstStyle/>
+          <a:p>
+            <a:r>
+              <a:rPr lang="ja-JP" altLang="en-US" dirty="0"/>
+              <a:t>プログラム同士の類似度（数値</a:t>
+            </a:r>
+            <a:r>
+              <a:rPr lang="ja-JP" altLang="en-US" dirty="0" smtClean="0"/>
+              <a:t>）</a:t>
+            </a:r>
+            <a:r>
+              <a:rPr lang="ja-JP" altLang="en-US" dirty="0" smtClean="0"/>
+              <a:t>を出す</a:t>
+            </a:r>
+            <a:endParaRPr lang="en-US" altLang="ja-JP" dirty="0" smtClean="0"/>
+          </a:p>
+          <a:p>
+            <a:r>
+              <a:rPr lang="ja-JP" altLang="en-US" dirty="0" smtClean="0"/>
+              <a:t>類似度、ブロックの数、スプライトの数を利用した可視化</a:t>
+            </a:r>
+            <a:endParaRPr lang="en-US" altLang="ja-JP" dirty="0" smtClean="0"/>
+          </a:p>
+          <a:p>
+            <a:r>
+              <a:rPr lang="ja-JP" altLang="en-US" dirty="0" smtClean="0"/>
+              <a:t>アンケートを用いて、数値、可視化、実際のプロジェクトの辻褄が合っているかを確認</a:t>
+            </a:r>
+            <a:endParaRPr lang="ja-JP" altLang="en-US" dirty="0"/>
+          </a:p>
+          <a:p>
+            <a:endParaRPr kumimoji="1" lang="ja-JP" altLang="en-US" dirty="0"/>
+          </a:p>
+        </p:txBody>
+      </p:sp>
+    </p:spTree>
+    <p:extLst>
+      <p:ext uri="{BB962C8B-B14F-4D97-AF65-F5344CB8AC3E}">
+        <p14:creationId xmlns:p14="http://schemas.microsoft.com/office/powerpoint/2010/main" val="1034349870"/>
+      </p:ext>
+    </p:extLst>
+  </p:cSld>
+  <p:clrMapOvr>
+    <a:masterClrMapping/>
+  </p:clrMapOvr>
+</p:sld>
+</file>
+
+<file path=ppt/slides/slide11.xml><?xml version="1.0" encoding="utf-8"?>
+<p:sld xmlns:a="http://schemas.openxmlformats.org/drawingml/2006/main" xmlns:r="http://schemas.openxmlformats.org/officeDocument/2006/relationships" xmlns:p="http://schemas.openxmlformats.org/presentationml/2006/main">
+  <p:cSld>
+    <p:spTree>
+      <p:nvGrpSpPr>
+        <p:cNvPr id="1" name=""/>
+        <p:cNvGrpSpPr/>
+        <p:nvPr/>
+      </p:nvGrpSpPr>
+      <p:grpSpPr>
+        <a:xfrm>
+          <a:off x="0" y="0"/>
+          <a:ext cx="0" cy="0"/>
+          <a:chOff x="0" y="0"/>
+          <a:chExt cx="0" cy="0"/>
+        </a:xfrm>
+      </p:grpSpPr>
+      <p:sp>
+        <p:nvSpPr>
+          <p:cNvPr id="2" name="タイトル 1"/>
+          <p:cNvSpPr>
+            <a:spLocks noGrp="1"/>
+          </p:cNvSpPr>
+          <p:nvPr>
+            <p:ph type="title"/>
+          </p:nvPr>
+        </p:nvSpPr>
+        <p:spPr/>
+        <p:txBody>
+          <a:bodyPr/>
+          <a:lstStyle/>
+          <a:p>
+            <a:r>
+              <a:rPr kumimoji="1" lang="ja-JP" altLang="en-US" dirty="0" smtClean="0"/>
+              <a:t>提案する手法</a:t>
+            </a:r>
+            <a:endParaRPr kumimoji="1" lang="ja-JP" altLang="en-US" dirty="0"/>
+          </a:p>
+        </p:txBody>
+      </p:sp>
+      <p:sp>
+        <p:nvSpPr>
+          <p:cNvPr id="3" name="コンテンツ プレースホルダー 2"/>
+          <p:cNvSpPr>
+            <a:spLocks noGrp="1"/>
+          </p:cNvSpPr>
+          <p:nvPr>
+            <p:ph idx="1"/>
+          </p:nvPr>
+        </p:nvSpPr>
+        <p:spPr/>
+        <p:txBody>
+          <a:bodyPr/>
+          <a:lstStyle/>
+          <a:p>
+            <a:endParaRPr kumimoji="1" lang="ja-JP" altLang="en-US" dirty="0"/>
+          </a:p>
+        </p:txBody>
+      </p:sp>
+    </p:spTree>
+    <p:extLst>
+      <p:ext uri="{BB962C8B-B14F-4D97-AF65-F5344CB8AC3E}">
+        <p14:creationId xmlns:p14="http://schemas.microsoft.com/office/powerpoint/2010/main" val="4188804298"/>
+      </p:ext>
+    </p:extLst>
+  </p:cSld>
+  <p:clrMapOvr>
+    <a:masterClrMapping/>
+  </p:clrMapOvr>
+</p:sld>
+</file>
+
+<file path=ppt/slides/slide12.xml><?xml version="1.0" encoding="utf-8"?>
+<p:sld xmlns:a="http://schemas.openxmlformats.org/drawingml/2006/main" xmlns:r="http://schemas.openxmlformats.org/officeDocument/2006/relationships" xmlns:p="http://schemas.openxmlformats.org/presentationml/2006/main">
+  <p:cSld>
+    <p:spTree>
+      <p:nvGrpSpPr>
+        <p:cNvPr id="1" name=""/>
+        <p:cNvGrpSpPr/>
+        <p:nvPr/>
+      </p:nvGrpSpPr>
+      <p:grpSpPr>
+        <a:xfrm>
+          <a:off x="0" y="0"/>
+          <a:ext cx="0" cy="0"/>
+          <a:chOff x="0" y="0"/>
+          <a:chExt cx="0" cy="0"/>
+        </a:xfrm>
+      </p:grpSpPr>
+      <p:sp>
+        <p:nvSpPr>
+          <p:cNvPr id="2" name="タイトル 1"/>
+          <p:cNvSpPr>
+            <a:spLocks noGrp="1"/>
+          </p:cNvSpPr>
+          <p:nvPr>
+            <p:ph type="title"/>
+          </p:nvPr>
+        </p:nvSpPr>
+        <p:spPr/>
+        <p:txBody>
+          <a:bodyPr/>
+          <a:lstStyle/>
+          <a:p>
+            <a:r>
+              <a:rPr kumimoji="1" lang="ja-JP" altLang="en-US" dirty="0" smtClean="0"/>
+              <a:t>実験方法</a:t>
+            </a:r>
+            <a:endParaRPr kumimoji="1" lang="ja-JP" altLang="en-US" dirty="0"/>
+          </a:p>
+        </p:txBody>
+      </p:sp>
+      <p:sp>
+        <p:nvSpPr>
+          <p:cNvPr id="3" name="コンテンツ プレースホルダー 2"/>
+          <p:cNvSpPr>
+            <a:spLocks noGrp="1"/>
+          </p:cNvSpPr>
+          <p:nvPr>
+            <p:ph idx="1"/>
+          </p:nvPr>
+        </p:nvSpPr>
+        <p:spPr/>
+        <p:txBody>
+          <a:bodyPr/>
+          <a:lstStyle/>
+          <a:p>
+            <a:endParaRPr kumimoji="1" lang="ja-JP" altLang="en-US"/>
+          </a:p>
+        </p:txBody>
+      </p:sp>
+    </p:spTree>
+    <p:extLst>
+      <p:ext uri="{BB962C8B-B14F-4D97-AF65-F5344CB8AC3E}">
+        <p14:creationId xmlns:p14="http://schemas.microsoft.com/office/powerpoint/2010/main" val="3483746831"/>
+      </p:ext>
+    </p:extLst>
+  </p:cSld>
+  <p:clrMapOvr>
+    <a:masterClrMapping/>
+  </p:clrMapOvr>
+</p:sld>
+</file>
+
+<file path=ppt/slides/slide13.xml><?xml version="1.0" encoding="utf-8"?>
+<p:sld xmlns:a="http://schemas.openxmlformats.org/drawingml/2006/main" xmlns:r="http://schemas.openxmlformats.org/officeDocument/2006/relationships" xmlns:p="http://schemas.openxmlformats.org/presentationml/2006/main">
+  <p:cSld>
+    <p:spTree>
+      <p:nvGrpSpPr>
+        <p:cNvPr id="1" name=""/>
+        <p:cNvGrpSpPr/>
+        <p:nvPr/>
+      </p:nvGrpSpPr>
+      <p:grpSpPr>
+        <a:xfrm>
+          <a:off x="0" y="0"/>
+          <a:ext cx="0" cy="0"/>
+          <a:chOff x="0" y="0"/>
+          <a:chExt cx="0" cy="0"/>
+        </a:xfrm>
+      </p:grpSpPr>
+      <p:sp>
+        <p:nvSpPr>
+          <p:cNvPr id="2" name="タイトル 1"/>
+          <p:cNvSpPr>
+            <a:spLocks noGrp="1"/>
+          </p:cNvSpPr>
+          <p:nvPr>
+            <p:ph type="title"/>
+          </p:nvPr>
+        </p:nvSpPr>
+        <p:spPr/>
+        <p:txBody>
+          <a:bodyPr/>
+          <a:lstStyle/>
+          <a:p>
+            <a:r>
+              <a:rPr kumimoji="1" lang="ja-JP" altLang="en-US" dirty="0" smtClean="0"/>
+              <a:t>実験結果</a:t>
+            </a:r>
+            <a:endParaRPr kumimoji="1" lang="ja-JP" altLang="en-US" dirty="0"/>
+          </a:p>
+        </p:txBody>
+      </p:sp>
+      <p:sp>
+        <p:nvSpPr>
+          <p:cNvPr id="3" name="コンテンツ プレースホルダー 2"/>
+          <p:cNvSpPr>
+            <a:spLocks noGrp="1"/>
+          </p:cNvSpPr>
+          <p:nvPr>
+            <p:ph idx="1"/>
+          </p:nvPr>
+        </p:nvSpPr>
+        <p:spPr/>
+        <p:txBody>
+          <a:bodyPr/>
+          <a:lstStyle/>
+          <a:p>
+            <a:endParaRPr kumimoji="1" lang="ja-JP" altLang="en-US"/>
+          </a:p>
+        </p:txBody>
+      </p:sp>
+    </p:spTree>
+    <p:extLst>
+      <p:ext uri="{BB962C8B-B14F-4D97-AF65-F5344CB8AC3E}">
+        <p14:creationId xmlns:p14="http://schemas.microsoft.com/office/powerpoint/2010/main" val="2864592049"/>
+      </p:ext>
+    </p:extLst>
+  </p:cSld>
+  <p:clrMapOvr>
+    <a:masterClrMapping/>
+  </p:clrMapOvr>
+</p:sld>
+</file>
+
+<file path=ppt/slides/slide14.xml><?xml version="1.0" encoding="utf-8"?>
+<p:sld xmlns:a="http://schemas.openxmlformats.org/drawingml/2006/main" xmlns:r="http://schemas.openxmlformats.org/officeDocument/2006/relationships" xmlns:p="http://schemas.openxmlformats.org/presentationml/2006/main">
+  <p:cSld>
+    <p:spTree>
+      <p:nvGrpSpPr>
+        <p:cNvPr id="1" name=""/>
+        <p:cNvGrpSpPr/>
+        <p:nvPr/>
+      </p:nvGrpSpPr>
+      <p:grpSpPr>
+        <a:xfrm>
+          <a:off x="0" y="0"/>
+          <a:ext cx="0" cy="0"/>
+          <a:chOff x="0" y="0"/>
+          <a:chExt cx="0" cy="0"/>
+        </a:xfrm>
+      </p:grpSpPr>
+      <p:sp>
+        <p:nvSpPr>
+          <p:cNvPr id="2" name="タイトル 1"/>
+          <p:cNvSpPr>
+            <a:spLocks noGrp="1"/>
+          </p:cNvSpPr>
+          <p:nvPr>
+            <p:ph type="title"/>
+          </p:nvPr>
+        </p:nvSpPr>
+        <p:spPr/>
+        <p:txBody>
+          <a:bodyPr/>
+          <a:lstStyle/>
+          <a:p>
+            <a:r>
+              <a:rPr kumimoji="1" lang="ja-JP" altLang="en-US" dirty="0" smtClean="0"/>
+              <a:t>評価</a:t>
+            </a:r>
+            <a:endParaRPr kumimoji="1" lang="ja-JP" altLang="en-US" dirty="0"/>
+          </a:p>
+        </p:txBody>
+      </p:sp>
+      <p:sp>
+        <p:nvSpPr>
+          <p:cNvPr id="3" name="コンテンツ プレースホルダー 2"/>
+          <p:cNvSpPr>
+            <a:spLocks noGrp="1"/>
+          </p:cNvSpPr>
+          <p:nvPr>
+            <p:ph idx="1"/>
+          </p:nvPr>
+        </p:nvSpPr>
+        <p:spPr/>
+        <p:txBody>
+          <a:bodyPr/>
+          <a:lstStyle/>
+          <a:p>
+            <a:endParaRPr kumimoji="1" lang="ja-JP" altLang="en-US" dirty="0"/>
+          </a:p>
+        </p:txBody>
+      </p:sp>
+    </p:spTree>
+    <p:extLst>
+      <p:ext uri="{BB962C8B-B14F-4D97-AF65-F5344CB8AC3E}">
+        <p14:creationId xmlns:p14="http://schemas.microsoft.com/office/powerpoint/2010/main" val="4050209343"/>
+      </p:ext>
+    </p:extLst>
+  </p:cSld>
+  <p:clrMapOvr>
+    <a:masterClrMapping/>
+  </p:clrMapOvr>
+</p:sld>
+</file>
+
+<file path=ppt/slides/slide15.xml><?xml version="1.0" encoding="utf-8"?>
+<p:sld xmlns:a="http://schemas.openxmlformats.org/drawingml/2006/main" xmlns:r="http://schemas.openxmlformats.org/officeDocument/2006/relationships" xmlns:p="http://schemas.openxmlformats.org/presentationml/2006/main">
+  <p:cSld>
+    <p:spTree>
+      <p:nvGrpSpPr>
+        <p:cNvPr id="1" name=""/>
+        <p:cNvGrpSpPr/>
+        <p:nvPr/>
+      </p:nvGrpSpPr>
+      <p:grpSpPr>
+        <a:xfrm>
+          <a:off x="0" y="0"/>
+          <a:ext cx="0" cy="0"/>
+          <a:chOff x="0" y="0"/>
+          <a:chExt cx="0" cy="0"/>
+        </a:xfrm>
+      </p:grpSpPr>
+      <p:sp>
+        <p:nvSpPr>
+          <p:cNvPr id="2" name="タイトル 1"/>
+          <p:cNvSpPr>
+            <a:spLocks noGrp="1"/>
+          </p:cNvSpPr>
+          <p:nvPr>
+            <p:ph type="title"/>
+          </p:nvPr>
+        </p:nvSpPr>
+        <p:spPr/>
+        <p:txBody>
+          <a:bodyPr/>
+          <a:lstStyle/>
+          <a:p>
+            <a:r>
+              <a:rPr kumimoji="1" lang="ja-JP" altLang="en-US" dirty="0" smtClean="0"/>
+              <a:t>今後の展望</a:t>
+            </a:r>
+            <a:endParaRPr kumimoji="1" lang="ja-JP" altLang="en-US" dirty="0"/>
+          </a:p>
+        </p:txBody>
+      </p:sp>
+      <p:sp>
+        <p:nvSpPr>
+          <p:cNvPr id="3" name="コンテンツ プレースホルダー 2"/>
+          <p:cNvSpPr>
+            <a:spLocks noGrp="1"/>
+          </p:cNvSpPr>
+          <p:nvPr>
+            <p:ph idx="1"/>
+          </p:nvPr>
+        </p:nvSpPr>
+        <p:spPr/>
+        <p:txBody>
+          <a:bodyPr/>
+          <a:lstStyle/>
+          <a:p>
+            <a:endParaRPr kumimoji="1" lang="ja-JP" altLang="en-US"/>
+          </a:p>
+        </p:txBody>
+      </p:sp>
+    </p:spTree>
+    <p:extLst>
+      <p:ext uri="{BB962C8B-B14F-4D97-AF65-F5344CB8AC3E}">
+        <p14:creationId xmlns:p14="http://schemas.microsoft.com/office/powerpoint/2010/main" val="3820877570"/>
+      </p:ext>
+    </p:extLst>
+  </p:cSld>
+  <p:clrMapOvr>
+    <a:masterClrMapping/>
+  </p:clrMapOvr>
+</p:sld>
+</file>
+
+<file path=ppt/slides/slide16.xml><?xml version="1.0" encoding="utf-8"?>
+<p:sld xmlns:a="http://schemas.openxmlformats.org/drawingml/2006/main" xmlns:r="http://schemas.openxmlformats.org/officeDocument/2006/relationships" xmlns:p="http://schemas.openxmlformats.org/presentationml/2006/main">
+  <p:cSld>
+    <p:spTree>
+      <p:nvGrpSpPr>
+        <p:cNvPr id="1" name=""/>
+        <p:cNvGrpSpPr/>
+        <p:nvPr/>
+      </p:nvGrpSpPr>
+      <p:grpSpPr>
+        <a:xfrm>
+          <a:off x="0" y="0"/>
+          <a:ext cx="0" cy="0"/>
+          <a:chOff x="0" y="0"/>
+          <a:chExt cx="0" cy="0"/>
+        </a:xfrm>
+      </p:grpSpPr>
+      <p:sp>
+        <p:nvSpPr>
+          <p:cNvPr id="2" name="タイトル 1"/>
+          <p:cNvSpPr>
+            <a:spLocks noGrp="1"/>
+          </p:cNvSpPr>
+          <p:nvPr>
             <p:ph type="ctrTitle"/>
           </p:nvPr>
         </p:nvSpPr>
@@ -3599,12 +4627,134 @@
             <p:ph idx="1"/>
           </p:nvPr>
         </p:nvSpPr>
-        <p:spPr/>
-        <p:txBody>
-          <a:bodyPr/>
-          <a:lstStyle/>
-          <a:p>
-            <a:endParaRPr kumimoji="1" lang="ja-JP" altLang="en-US"/>
+        <p:spPr>
+          <a:xfrm>
+            <a:off x="1856828" y="1606331"/>
+            <a:ext cx="5433848" cy="4525963"/>
+          </a:xfrm>
+        </p:spPr>
+        <p:txBody>
+          <a:bodyPr>
+            <a:normAutofit fontScale="92500" lnSpcReduction="20000"/>
+          </a:bodyPr>
+          <a:lstStyle/>
+          <a:p>
+            <a:pPr marL="571500" indent="-571500" fontAlgn="base">
+              <a:buFont typeface="+mj-lt"/>
+              <a:buAutoNum type="arabicPeriod"/>
+            </a:pPr>
+            <a:r>
+              <a:rPr lang="ja-JP" altLang="en-US" dirty="0" smtClean="0"/>
+              <a:t>はじめに</a:t>
+            </a:r>
+            <a:endParaRPr lang="en-US" altLang="ja-JP" dirty="0" smtClean="0"/>
+          </a:p>
+          <a:p>
+            <a:pPr marL="971550" lvl="1" indent="-571500" fontAlgn="base">
+              <a:buFont typeface="+mj-lt"/>
+              <a:buAutoNum type="arabicPeriod"/>
+            </a:pPr>
+            <a:r>
+              <a:rPr lang="ja-JP" altLang="en-US" dirty="0" smtClean="0"/>
+              <a:t>本研究の背景、目的</a:t>
+            </a:r>
+            <a:endParaRPr lang="en-US" altLang="ja-JP" dirty="0" smtClean="0"/>
+          </a:p>
+          <a:p>
+            <a:pPr marL="971550" lvl="1" indent="-571500" fontAlgn="base">
+              <a:buFont typeface="+mj-lt"/>
+              <a:buAutoNum type="arabicPeriod"/>
+            </a:pPr>
+            <a:r>
+              <a:rPr lang="en-US" altLang="ja-JP" dirty="0" smtClean="0"/>
+              <a:t>Scratch</a:t>
+            </a:r>
+            <a:r>
+              <a:rPr lang="ja-JP" altLang="en-US" dirty="0" smtClean="0"/>
+              <a:t>とは</a:t>
+            </a:r>
+            <a:endParaRPr lang="en-US" altLang="ja-JP" dirty="0" smtClean="0"/>
+          </a:p>
+          <a:p>
+            <a:pPr marL="971550" lvl="1" indent="-571500" fontAlgn="base">
+              <a:buFont typeface="+mj-lt"/>
+              <a:buAutoNum type="arabicPeriod"/>
+            </a:pPr>
+            <a:r>
+              <a:rPr lang="en-US" altLang="ja-JP" dirty="0" smtClean="0"/>
+              <a:t>Scratch</a:t>
+            </a:r>
+            <a:r>
+              <a:rPr lang="ja-JP" altLang="en-US" dirty="0" smtClean="0"/>
+              <a:t>の現状</a:t>
+            </a:r>
+            <a:endParaRPr lang="en-US" altLang="ja-JP" dirty="0" smtClean="0"/>
+          </a:p>
+          <a:p>
+            <a:pPr marL="571500" indent="-571500" fontAlgn="base">
+              <a:buFont typeface="+mj-lt"/>
+              <a:buAutoNum type="arabicPeriod"/>
+            </a:pPr>
+            <a:r>
+              <a:rPr lang="ja-JP" altLang="en-US" dirty="0" smtClean="0"/>
+              <a:t>問題</a:t>
+            </a:r>
+            <a:endParaRPr lang="en-US" altLang="ja-JP" dirty="0"/>
+          </a:p>
+          <a:p>
+            <a:pPr marL="571500" indent="-571500" fontAlgn="base">
+              <a:buFont typeface="+mj-lt"/>
+              <a:buAutoNum type="arabicPeriod"/>
+            </a:pPr>
+            <a:r>
+              <a:rPr lang="ja-JP" altLang="en-US" dirty="0" smtClean="0"/>
+              <a:t>提案する手法</a:t>
+            </a:r>
+            <a:endParaRPr lang="en-US" altLang="ja-JP" dirty="0" smtClean="0"/>
+          </a:p>
+          <a:p>
+            <a:pPr marL="571500" indent="-571500" fontAlgn="base">
+              <a:buFont typeface="+mj-lt"/>
+              <a:buAutoNum type="arabicPeriod"/>
+            </a:pPr>
+            <a:r>
+              <a:rPr lang="ja-JP" altLang="en-US" dirty="0" smtClean="0"/>
+              <a:t>実験方法</a:t>
+            </a:r>
+            <a:endParaRPr lang="en-US" altLang="ja-JP" dirty="0" smtClean="0"/>
+          </a:p>
+          <a:p>
+            <a:pPr marL="571500" indent="-571500" fontAlgn="base">
+              <a:buFont typeface="+mj-lt"/>
+              <a:buAutoNum type="arabicPeriod"/>
+            </a:pPr>
+            <a:r>
+              <a:rPr lang="ja-JP" altLang="en-US" dirty="0" smtClean="0"/>
+              <a:t>実験結果</a:t>
+            </a:r>
+            <a:endParaRPr lang="en-US" altLang="ja-JP" dirty="0" smtClean="0"/>
+          </a:p>
+          <a:p>
+            <a:pPr marL="571500" indent="-571500" fontAlgn="base">
+              <a:buFont typeface="+mj-lt"/>
+              <a:buAutoNum type="arabicPeriod"/>
+            </a:pPr>
+            <a:r>
+              <a:rPr lang="ja-JP" altLang="en-US" dirty="0" smtClean="0"/>
+              <a:t>評価</a:t>
+            </a:r>
+            <a:endParaRPr lang="en-US" altLang="ja-JP" dirty="0" smtClean="0"/>
+          </a:p>
+          <a:p>
+            <a:pPr marL="571500" indent="-571500" fontAlgn="base">
+              <a:buFont typeface="+mj-lt"/>
+              <a:buAutoNum type="arabicPeriod"/>
+            </a:pPr>
+            <a:r>
+              <a:rPr lang="ja-JP" altLang="en-US" dirty="0" smtClean="0"/>
+              <a:t>今後の展望</a:t>
+            </a:r>
+            <a:endParaRPr lang="en-US" altLang="ja-JP" dirty="0" smtClean="0"/>
           </a:p>
         </p:txBody>
       </p:sp>
@@ -3677,15 +4827,59 @@
           <a:lstStyle/>
           <a:p>
             <a:r>
+              <a:rPr lang="ja-JP" altLang="en-US" dirty="0" smtClean="0"/>
+              <a:t>背景</a:t>
+            </a:r>
+            <a:endParaRPr lang="en-US" altLang="ja-JP" dirty="0"/>
+          </a:p>
+          <a:p>
+            <a:pPr lvl="1"/>
+            <a:r>
+              <a:rPr lang="ja-JP" altLang="en-US" dirty="0" smtClean="0"/>
+              <a:t>プログラミング教育が推進され、小学校での導入も検討されている。</a:t>
+            </a:r>
+            <a:endParaRPr lang="en-US" altLang="ja-JP" dirty="0" smtClean="0"/>
+          </a:p>
+          <a:p>
+            <a:pPr lvl="1"/>
+            <a:r>
+              <a:rPr lang="ja-JP" altLang="en-US" dirty="0" smtClean="0"/>
+              <a:t>その中でもよく利用されているのが</a:t>
+            </a:r>
+            <a:r>
+              <a:rPr lang="en-US" altLang="ja-JP" dirty="0" smtClean="0"/>
+              <a:t>GUI</a:t>
+            </a:r>
+            <a:r>
+              <a:rPr lang="ja-JP" altLang="en-US" dirty="0" smtClean="0"/>
+              <a:t>環境を利用したツール</a:t>
+            </a:r>
+            <a:r>
+              <a:rPr lang="en-US" altLang="ja-JP" dirty="0" smtClean="0"/>
+              <a:t>”Scratch”</a:t>
+            </a:r>
+            <a:endParaRPr lang="en-US" altLang="ja-JP" dirty="0" smtClean="0"/>
+          </a:p>
+          <a:p>
+            <a:r>
               <a:rPr kumimoji="1" lang="ja-JP" altLang="en-US" dirty="0" smtClean="0"/>
               <a:t>目的</a:t>
             </a:r>
             <a:endParaRPr kumimoji="1" lang="en-US" altLang="ja-JP" dirty="0" smtClean="0"/>
           </a:p>
           <a:p>
+            <a:pPr lvl="1"/>
+            <a:r>
+              <a:rPr kumimoji="1" lang="en-US" altLang="ja-JP" dirty="0" smtClean="0"/>
+              <a:t>Scratch</a:t>
+            </a:r>
+            <a:r>
+              <a:rPr kumimoji="1" lang="ja-JP" altLang="en-US" dirty="0" smtClean="0"/>
+              <a:t>サイト上にあるプログラムデータを利用し、</a:t>
+            </a:r>
             <a:r>
               <a:rPr lang="ja-JP" altLang="en-US" dirty="0" smtClean="0"/>
-              <a:t>背景</a:t>
+              <a:t>すでに公開されているリミックスツリーより有用な数値発掘と可視化の開発。</a:t>
             </a:r>
             <a:endParaRPr kumimoji="1" lang="ja-JP" altLang="en-US" dirty="0"/>
           </a:p>
@@ -3733,9 +4927,7 @@
         </p:nvSpPr>
         <p:spPr/>
         <p:txBody>
-          <a:bodyPr>
-            <a:normAutofit/>
-          </a:bodyPr>
+          <a:bodyPr/>
           <a:lstStyle/>
           <a:p>
             <a:r>
@@ -3744,7 +4936,23 @@
             </a:r>
             <a:r>
               <a:rPr kumimoji="1" lang="ja-JP" altLang="en-US" dirty="0" smtClean="0"/>
-              <a:t>の現状</a:t>
+              <a:t>とは（</a:t>
+            </a:r>
+            <a:r>
+              <a:rPr kumimoji="1" lang="en-US" altLang="ja-JP" dirty="0" smtClean="0"/>
+              <a:t>1</a:t>
+            </a:r>
+            <a:r>
+              <a:rPr kumimoji="1" lang="ja-JP" altLang="en-US" dirty="0" smtClean="0"/>
+              <a:t>／</a:t>
+            </a:r>
+            <a:r>
+              <a:rPr lang="ja-JP" altLang="ja-JP" dirty="0"/>
+              <a:t>3</a:t>
+            </a:r>
+            <a:r>
+              <a:rPr kumimoji="1" lang="ja-JP" altLang="en-US" dirty="0" smtClean="0"/>
+              <a:t>）</a:t>
             </a:r>
             <a:endParaRPr kumimoji="1" lang="ja-JP" altLang="en-US" dirty="0"/>
           </a:p>
@@ -3765,14 +4973,33 @@
           <a:bodyPr/>
           <a:lstStyle/>
           <a:p>
-            <a:endParaRPr kumimoji="1" lang="ja-JP" altLang="en-US"/>
+            <a:r>
+              <a:rPr lang="ja-JP" altLang="en-US" dirty="0" smtClean="0"/>
+              <a:t>米</a:t>
+            </a:r>
+            <a:r>
+              <a:rPr lang="en-US" altLang="ja-JP" dirty="0" smtClean="0"/>
+              <a:t>MIT</a:t>
+            </a:r>
+            <a:r>
+              <a:rPr lang="ja-JP" altLang="en-US" dirty="0" smtClean="0"/>
+              <a:t>のメディアラボが開発した小・中学生向けのプログラミングツール</a:t>
+            </a:r>
+            <a:endParaRPr lang="en-US" altLang="ja-JP" dirty="0" smtClean="0"/>
+          </a:p>
+          <a:p>
+            <a:r>
+              <a:rPr kumimoji="1" lang="ja-JP" altLang="en-US" dirty="0" smtClean="0"/>
+              <a:t>初心者にとって使いやすい設計となっているため利用者は多い。</a:t>
+            </a:r>
+            <a:endParaRPr kumimoji="1" lang="ja-JP" altLang="en-US" dirty="0"/>
           </a:p>
         </p:txBody>
       </p:sp>
     </p:spTree>
     <p:extLst>
       <p:ext uri="{BB962C8B-B14F-4D97-AF65-F5344CB8AC3E}">
-        <p14:creationId xmlns:p14="http://schemas.microsoft.com/office/powerpoint/2010/main" val="3185166230"/>
+        <p14:creationId xmlns:p14="http://schemas.microsoft.com/office/powerpoint/2010/main" val="2045078825"/>
       </p:ext>
     </p:extLst>
   </p:cSld>
@@ -3815,36 +5042,100 @@
           <a:lstStyle/>
           <a:p>
             <a:r>
+              <a:rPr kumimoji="1" lang="en-US" altLang="ja-JP" dirty="0" smtClean="0"/>
+              <a:t>Scratch</a:t>
+            </a:r>
+            <a:r>
               <a:rPr kumimoji="1" lang="ja-JP" altLang="en-US" dirty="0" smtClean="0"/>
-              <a:t>提案する手法</a:t>
+              <a:t>とは（</a:t>
+            </a:r>
+            <a:r>
+              <a:rPr kumimoji="1" lang="en-US" altLang="ja-JP" dirty="0" smtClean="0"/>
+              <a:t>2</a:t>
+            </a:r>
+            <a:r>
+              <a:rPr kumimoji="1" lang="ja-JP" altLang="en-US" dirty="0" smtClean="0"/>
+              <a:t>／</a:t>
+            </a:r>
+            <a:r>
+              <a:rPr kumimoji="1" lang="en-US" altLang="ja-JP" dirty="0" smtClean="0"/>
+              <a:t>4</a:t>
+            </a:r>
+            <a:r>
+              <a:rPr kumimoji="1" lang="ja-JP" altLang="en-US" dirty="0" smtClean="0"/>
+              <a:t>）</a:t>
             </a:r>
             <a:endParaRPr kumimoji="1" lang="ja-JP" altLang="en-US" dirty="0"/>
           </a:p>
         </p:txBody>
       </p:sp>
-      <p:sp>
-        <p:nvSpPr>
-          <p:cNvPr id="3" name="コンテンツ プレースホルダー 2"/>
-          <p:cNvSpPr>
-            <a:spLocks noGrp="1"/>
-          </p:cNvSpPr>
+      <p:pic>
+        <p:nvPicPr>
+          <p:cNvPr id="4" name="コンテンツ プレースホルダー 3" descr="scratch_editor_main.pdf"/>
+          <p:cNvPicPr>
+            <a:picLocks noGrp="1" noChangeAspect="1"/>
+          </p:cNvPicPr>
           <p:nvPr>
             <p:ph idx="1"/>
           </p:nvPr>
-        </p:nvSpPr>
-        <p:spPr/>
-        <p:txBody>
-          <a:bodyPr/>
-          <a:lstStyle/>
-          <a:p>
-            <a:endParaRPr kumimoji="1" lang="ja-JP" altLang="en-US"/>
+        </p:nvPicPr>
+        <p:blipFill>
+          <a:blip r:embed="rId2">
+            <a:extLst>
+              <a:ext uri="{28A0092B-C50C-407E-A947-70E740481C1C}">
+                <a14:useLocalDpi xmlns:a14="http://schemas.microsoft.com/office/drawing/2010/main" val="0"/>
+              </a:ext>
+            </a:extLst>
+          </a:blip>
+          <a:srcRect t="14413" b="14413"/>
+          <a:stretch>
+            <a:fillRect/>
+          </a:stretch>
+        </p:blipFill>
+        <p:spPr>
+          <a:prstGeom prst="rect">
+            <a:avLst/>
+          </a:prstGeom>
+        </p:spPr>
+      </p:pic>
+      <p:sp>
+        <p:nvSpPr>
+          <p:cNvPr id="5" name="テキスト ボックス 4"/>
+          <p:cNvSpPr txBox="1"/>
+          <p:nvPr/>
+        </p:nvSpPr>
+        <p:spPr>
+          <a:xfrm>
+            <a:off x="3565130" y="6238343"/>
+            <a:ext cx="2016526" cy="369332"/>
+          </a:xfrm>
+          <a:prstGeom prst="rect">
+            <a:avLst/>
+          </a:prstGeom>
+          <a:noFill/>
+        </p:spPr>
+        <p:txBody>
+          <a:bodyPr wrap="square" rtlCol="0">
+            <a:spAutoFit/>
+          </a:bodyPr>
+          <a:lstStyle/>
+          <a:p>
+            <a:r>
+              <a:rPr kumimoji="1" lang="en-US" altLang="ja-JP" dirty="0" smtClean="0"/>
+              <a:t>Scratch</a:t>
+            </a:r>
+            <a:r>
+              <a:rPr kumimoji="1" lang="ja-JP" altLang="en-US" dirty="0" smtClean="0"/>
+              <a:t>の編集画面</a:t>
+            </a:r>
+            <a:endParaRPr kumimoji="1" lang="ja-JP" altLang="en-US" dirty="0"/>
           </a:p>
         </p:txBody>
       </p:sp>
     </p:spTree>
     <p:extLst>
       <p:ext uri="{BB962C8B-B14F-4D97-AF65-F5344CB8AC3E}">
-        <p14:creationId xmlns:p14="http://schemas.microsoft.com/office/powerpoint/2010/main" val="4188804298"/>
+        <p14:creationId xmlns:p14="http://schemas.microsoft.com/office/powerpoint/2010/main" val="333443844"/>
       </p:ext>
     </p:extLst>
   </p:cSld>
@@ -3883,20 +5174,71 @@
         </p:nvSpPr>
         <p:spPr/>
         <p:txBody>
-          <a:bodyPr/>
-          <a:lstStyle/>
-          <a:p>
+          <a:bodyPr>
+            <a:normAutofit/>
+          </a:bodyPr>
+          <a:lstStyle/>
+          <a:p>
+            <a:r>
+              <a:rPr kumimoji="1" lang="en-US" altLang="ja-JP" dirty="0" smtClean="0"/>
+              <a:t>Scratch</a:t>
+            </a:r>
             <a:r>
               <a:rPr kumimoji="1" lang="ja-JP" altLang="en-US" dirty="0" smtClean="0"/>
-              <a:t>実験方法</a:t>
+              <a:t>とは（</a:t>
+            </a:r>
+            <a:r>
+              <a:rPr kumimoji="1" lang="en-US" altLang="ja-JP" dirty="0" smtClean="0"/>
+              <a:t>3</a:t>
+            </a:r>
+            <a:r>
+              <a:rPr lang="ja-JP" altLang="en-US" dirty="0" smtClean="0"/>
+              <a:t>／</a:t>
+            </a:r>
+            <a:r>
+              <a:rPr lang="en-US" altLang="ja-JP" dirty="0" smtClean="0"/>
+              <a:t>4</a:t>
+            </a:r>
+            <a:r>
+              <a:rPr lang="ja-JP" altLang="en-US" dirty="0" smtClean="0"/>
+              <a:t>）</a:t>
             </a:r>
             <a:endParaRPr kumimoji="1" lang="ja-JP" altLang="en-US" dirty="0"/>
           </a:p>
         </p:txBody>
       </p:sp>
-      <p:sp>
-        <p:nvSpPr>
-          <p:cNvPr id="3" name="コンテンツ プレースホルダー 2"/>
+      <p:pic>
+        <p:nvPicPr>
+          <p:cNvPr id="6" name="図 5" descr="blockcom.pdf"/>
+          <p:cNvPicPr>
+            <a:picLocks noChangeAspect="1"/>
+          </p:cNvPicPr>
+          <p:nvPr/>
+        </p:nvPicPr>
+        <p:blipFill rotWithShape="1">
+          <a:blip r:embed="rId2">
+            <a:extLst>
+              <a:ext uri="{28A0092B-C50C-407E-A947-70E740481C1C}">
+                <a14:useLocalDpi xmlns:a14="http://schemas.microsoft.com/office/drawing/2010/main" val="0"/>
+              </a:ext>
+            </a:extLst>
+          </a:blip>
+          <a:srcRect l="10270" r="17528"/>
+          <a:stretch/>
+        </p:blipFill>
+        <p:spPr>
+          <a:xfrm>
+            <a:off x="211679" y="1417638"/>
+            <a:ext cx="4055336" cy="3780371"/>
+          </a:xfrm>
+          <a:prstGeom prst="rect">
+            <a:avLst/>
+          </a:prstGeom>
+        </p:spPr>
+      </p:pic>
+      <p:sp>
+        <p:nvSpPr>
+          <p:cNvPr id="7" name="コンテンツ プレースホルダー 6"/>
           <p:cNvSpPr>
             <a:spLocks noGrp="1"/>
           </p:cNvSpPr>
@@ -3904,19 +5246,28 @@
             <p:ph idx="1"/>
           </p:nvPr>
         </p:nvSpPr>
-        <p:spPr/>
-        <p:txBody>
-          <a:bodyPr/>
-          <a:lstStyle/>
-          <a:p>
-            <a:endParaRPr kumimoji="1" lang="ja-JP" altLang="en-US"/>
+        <p:spPr>
+          <a:xfrm>
+            <a:off x="4634668" y="2461918"/>
+            <a:ext cx="4163542" cy="3910103"/>
+          </a:xfrm>
+        </p:spPr>
+        <p:txBody>
+          <a:bodyPr/>
+          <a:lstStyle/>
+          <a:p>
+            <a:r>
+              <a:rPr lang="ja-JP" altLang="en-US" dirty="0" smtClean="0"/>
+              <a:t>主に用意されているブロックを作成者の好みで組み合わせる</a:t>
+            </a:r>
+            <a:endParaRPr kumimoji="1" lang="ja-JP" altLang="en-US" dirty="0"/>
           </a:p>
         </p:txBody>
       </p:sp>
     </p:spTree>
     <p:extLst>
       <p:ext uri="{BB962C8B-B14F-4D97-AF65-F5344CB8AC3E}">
-        <p14:creationId xmlns:p14="http://schemas.microsoft.com/office/powerpoint/2010/main" val="3483746831"/>
+        <p14:creationId xmlns:p14="http://schemas.microsoft.com/office/powerpoint/2010/main" val="929638363"/>
       </p:ext>
     </p:extLst>
   </p:cSld>
@@ -3959,36 +5310,97 @@
           <a:lstStyle/>
           <a:p>
             <a:r>
+              <a:rPr lang="en-US" altLang="ja-JP" dirty="0" smtClean="0"/>
+              <a:t>Scratch</a:t>
+            </a:r>
+            <a:r>
+              <a:rPr lang="ja-JP" altLang="en-US" dirty="0" smtClean="0"/>
+              <a:t>とは（</a:t>
+            </a:r>
+            <a:r>
+              <a:rPr lang="en-US" altLang="ja-JP" dirty="0" smtClean="0"/>
+              <a:t>4</a:t>
+            </a:r>
+            <a:r>
+              <a:rPr lang="ja-JP" altLang="en-US" dirty="0" smtClean="0"/>
+              <a:t>／</a:t>
+            </a:r>
+            <a:r>
+              <a:rPr lang="en-US" altLang="ja-JP" dirty="0" smtClean="0"/>
+              <a:t>4</a:t>
+            </a:r>
+            <a:r>
+              <a:rPr lang="ja-JP" altLang="en-US" dirty="0" smtClean="0"/>
+              <a:t>）</a:t>
+            </a:r>
+            <a:endParaRPr kumimoji="1" lang="ja-JP" altLang="en-US" dirty="0"/>
+          </a:p>
+        </p:txBody>
+      </p:sp>
+      <p:pic>
+        <p:nvPicPr>
+          <p:cNvPr id="4" name="コンテンツ プレースホルダー 3" descr="remixtree_all.pdf"/>
+          <p:cNvPicPr>
+            <a:picLocks noGrp="1" noChangeAspect="1"/>
+          </p:cNvPicPr>
+          <p:nvPr>
+            <p:ph idx="1"/>
+          </p:nvPr>
+        </p:nvPicPr>
+        <p:blipFill>
+          <a:blip r:embed="rId2">
+            <a:extLst>
+              <a:ext uri="{28A0092B-C50C-407E-A947-70E740481C1C}">
+                <a14:useLocalDpi xmlns:a14="http://schemas.microsoft.com/office/drawing/2010/main" val="0"/>
+              </a:ext>
+            </a:extLst>
+          </a:blip>
+          <a:srcRect t="14403" b="14403"/>
+          <a:stretch>
+            <a:fillRect/>
+          </a:stretch>
+        </p:blipFill>
+        <p:spPr>
+          <a:xfrm>
+            <a:off x="457200" y="1417638"/>
+            <a:ext cx="8413323" cy="4627003"/>
+          </a:xfrm>
+        </p:spPr>
+      </p:pic>
+      <p:sp>
+        <p:nvSpPr>
+          <p:cNvPr id="5" name="テキスト ボックス 4"/>
+          <p:cNvSpPr txBox="1"/>
+          <p:nvPr/>
+        </p:nvSpPr>
+        <p:spPr>
+          <a:xfrm>
+            <a:off x="1749142" y="6220776"/>
+            <a:ext cx="5811206" cy="369332"/>
+          </a:xfrm>
+          <a:prstGeom prst="rect">
+            <a:avLst/>
+          </a:prstGeom>
+          <a:noFill/>
+        </p:spPr>
+        <p:txBody>
+          <a:bodyPr wrap="none" rtlCol="0">
+            <a:spAutoFit/>
+          </a:bodyPr>
+          <a:lstStyle/>
+          <a:p>
+            <a:r>
               <a:rPr kumimoji="1" lang="ja-JP" altLang="en-US" dirty="0" smtClean="0"/>
-              <a:t>実験結果</a:t>
+              <a:t>プログラム同士の引用関係が表されているリミックスツリー</a:t>
             </a:r>
             <a:endParaRPr kumimoji="1" lang="ja-JP" altLang="en-US" dirty="0"/>
-          </a:p>
-        </p:txBody>
-      </p:sp>
-      <p:sp>
-        <p:nvSpPr>
-          <p:cNvPr id="3" name="コンテンツ プレースホルダー 2"/>
-          <p:cNvSpPr>
-            <a:spLocks noGrp="1"/>
-          </p:cNvSpPr>
-          <p:nvPr>
-            <p:ph idx="1"/>
-          </p:nvPr>
-        </p:nvSpPr>
-        <p:spPr/>
-        <p:txBody>
-          <a:bodyPr/>
-          <a:lstStyle/>
-          <a:p>
-            <a:endParaRPr kumimoji="1" lang="ja-JP" altLang="en-US"/>
           </a:p>
         </p:txBody>
       </p:sp>
     </p:spTree>
     <p:extLst>
       <p:ext uri="{BB962C8B-B14F-4D97-AF65-F5344CB8AC3E}">
-        <p14:creationId xmlns:p14="http://schemas.microsoft.com/office/powerpoint/2010/main" val="2864592049"/>
+        <p14:creationId xmlns:p14="http://schemas.microsoft.com/office/powerpoint/2010/main" val="4169204120"/>
       </p:ext>
     </p:extLst>
   </p:cSld>
@@ -4027,12 +5439,22 @@
         </p:nvSpPr>
         <p:spPr/>
         <p:txBody>
-          <a:bodyPr/>
+          <a:bodyPr>
+            <a:normAutofit/>
+          </a:bodyPr>
           <a:lstStyle/>
           <a:p>
             <a:r>
               <a:rPr kumimoji="1" lang="ja-JP" altLang="en-US" dirty="0" smtClean="0"/>
-              <a:t>評価</a:t>
+              <a:t>リミックスツリー</a:t>
+            </a:r>
+            <a:r>
+              <a:rPr kumimoji="1" lang="ja-JP" altLang="en-US" dirty="0" smtClean="0"/>
+              <a:t>の</a:t>
+            </a:r>
+            <a:r>
+              <a:rPr kumimoji="1" lang="ja-JP" altLang="en-US" dirty="0" smtClean="0"/>
+              <a:t>現状</a:t>
             </a:r>
             <a:endParaRPr kumimoji="1" lang="ja-JP" altLang="en-US" dirty="0"/>
           </a:p>
@@ -4048,19 +5470,65 @@
             <p:ph idx="1"/>
           </p:nvPr>
         </p:nvSpPr>
-        <p:spPr/>
-        <p:txBody>
-          <a:bodyPr/>
-          <a:lstStyle/>
-          <a:p>
-            <a:endParaRPr kumimoji="1" lang="ja-JP" altLang="en-US" dirty="0"/>
-          </a:p>
-        </p:txBody>
-      </p:sp>
+        <p:spPr>
+          <a:xfrm>
+            <a:off x="4734937" y="1689321"/>
+            <a:ext cx="4096696" cy="4525963"/>
+          </a:xfrm>
+        </p:spPr>
+        <p:txBody>
+          <a:bodyPr/>
+          <a:lstStyle/>
+          <a:p>
+            <a:r>
+              <a:rPr lang="ja-JP" altLang="en-US" dirty="0" smtClean="0"/>
+              <a:t>あるプログラムが引用されたことが目でわかるリミックスツリー</a:t>
+            </a:r>
+            <a:endParaRPr lang="en-US" altLang="ja-JP" dirty="0" smtClean="0"/>
+          </a:p>
+          <a:p>
+            <a:r>
+              <a:rPr lang="ja-JP" altLang="en-US" dirty="0" smtClean="0"/>
+              <a:t>引用された後、変更された程度はわからない。（すべて同距離で表されている）</a:t>
+            </a:r>
+            <a:endParaRPr lang="en-US" altLang="ja-JP" dirty="0" smtClean="0"/>
+          </a:p>
+        </p:txBody>
+      </p:sp>
+      <p:pic>
+        <p:nvPicPr>
+          <p:cNvPr id="4" name="図 3" descr="remixtree_detail.pdf"/>
+          <p:cNvPicPr>
+            <a:picLocks noChangeAspect="1"/>
+          </p:cNvPicPr>
+          <p:nvPr/>
+        </p:nvPicPr>
+        <p:blipFill>
+          <a:blip r:embed="rId2">
+            <a:extLst>
+              <a:ext uri="{28A0092B-C50C-407E-A947-70E740481C1C}">
+                <a14:useLocalDpi xmlns:a14="http://schemas.microsoft.com/office/drawing/2010/main" val="0"/>
+              </a:ext>
+            </a:extLst>
+          </a:blip>
+          <a:stretch>
+            <a:fillRect/>
+          </a:stretch>
+        </p:blipFill>
+        <p:spPr>
+          <a:xfrm>
+            <a:off x="147739" y="1417638"/>
+            <a:ext cx="4419446" cy="4155182"/>
+          </a:xfrm>
+          <a:prstGeom prst="rect">
+            <a:avLst/>
+          </a:prstGeom>
+        </p:spPr>
+      </p:pic>
     </p:spTree>
     <p:extLst>
       <p:ext uri="{BB962C8B-B14F-4D97-AF65-F5344CB8AC3E}">
-        <p14:creationId xmlns:p14="http://schemas.microsoft.com/office/powerpoint/2010/main" val="4050209343"/>
+        <p14:creationId xmlns:p14="http://schemas.microsoft.com/office/powerpoint/2010/main" val="3185166230"/>
       </p:ext>
     </p:extLst>
   </p:cSld>
@@ -4104,7 +5572,7 @@
           <a:p>
             <a:r>
               <a:rPr kumimoji="1" lang="ja-JP" altLang="en-US" dirty="0" smtClean="0"/>
-              <a:t>今後の展望</a:t>
+              <a:t>問題</a:t>
             </a:r>
             <a:endParaRPr kumimoji="1" lang="ja-JP" altLang="en-US" dirty="0"/>
           </a:p>
@@ -4125,14 +5593,32 @@
           <a:bodyPr/>
           <a:lstStyle/>
           <a:p>
-            <a:endParaRPr kumimoji="1" lang="ja-JP" altLang="en-US"/>
+            <a:r>
+              <a:rPr lang="ja-JP" altLang="en-US" dirty="0" smtClean="0"/>
+              <a:t>引用元と引用されたプロジェクトの違いが同距離のため、分かりにくい。</a:t>
+            </a:r>
+            <a:endParaRPr lang="en-US" altLang="ja-JP" dirty="0" smtClean="0"/>
+          </a:p>
+          <a:p>
+            <a:r>
+              <a:rPr kumimoji="1" lang="ja-JP" altLang="en-US" dirty="0" smtClean="0"/>
+              <a:t>距離が数値化、その結果を用いて可視化をする。</a:t>
+            </a:r>
+            <a:endParaRPr kumimoji="1" lang="en-US" altLang="ja-JP" dirty="0" smtClean="0"/>
+          </a:p>
+          <a:p>
+            <a:r>
+              <a:rPr lang="ja-JP" altLang="en-US" dirty="0" smtClean="0"/>
+              <a:t>教育現場での予測例</a:t>
+            </a:r>
+            <a:endParaRPr kumimoji="1" lang="en-US" altLang="ja-JP" dirty="0" smtClean="0"/>
           </a:p>
         </p:txBody>
       </p:sp>
     </p:spTree>
     <p:extLst>
       <p:ext uri="{BB962C8B-B14F-4D97-AF65-F5344CB8AC3E}">
-        <p14:creationId xmlns:p14="http://schemas.microsoft.com/office/powerpoint/2010/main" val="3820877570"/>
+        <p14:creationId xmlns:p14="http://schemas.microsoft.com/office/powerpoint/2010/main" val="92398163"/>
       </p:ext>
     </p:extLst>
   </p:cSld>
@@ -4460,4 +5946,324 @@
   </a:objectDefaults>
   <a:extraClrSchemeLst/>
 </a:theme>
+</file>
+
+<file path=ppt/theme/theme2.xml><?xml version="1.0" encoding="utf-8"?>
+<a:theme xmlns:a="http://schemas.openxmlformats.org/drawingml/2006/main" name="ホワイト">
+  <a:themeElements>
+    <a:clrScheme name="Office">
+      <a:dk1>
+        <a:sysClr val="windowText" lastClr="000000"/>
+      </a:dk1>
+      <a:lt1>
+        <a:sysClr val="window" lastClr="FFFFFF"/>
+      </a:lt1>
+      <a:dk2>
+        <a:srgbClr val="1F497D"/>
+      </a:dk2>
+      <a:lt2>
+        <a:srgbClr val="EEECE1"/>
+      </a:lt2>
+      <a:accent1>
+        <a:srgbClr val="4F81BD"/>
+      </a:accent1>
+      <a:accent2>
+        <a:srgbClr val="C0504D"/>
+      </a:accent2>
+      <a:accent3>
+        <a:srgbClr val="9BBB59"/>
+      </a:accent3>
+      <a:accent4>
+        <a:srgbClr val="8064A2"/>
+      </a:accent4>
+      <a:accent5>
+        <a:srgbClr val="4BACC6"/>
+      </a:accent5>
+      <a:accent6>
+        <a:srgbClr val="F79646"/>
+      </a:accent6>
+      <a:hlink>
+        <a:srgbClr val="0000FF"/>
+      </a:hlink>
+      <a:folHlink>
+        <a:srgbClr val="800080"/>
+      </a:folHlink>
+    </a:clrScheme>
+    <a:fontScheme name="Office">
+      <a:majorFont>
+        <a:latin typeface="Calibri"/>
+        <a:ea typeface=""/>
+        <a:cs typeface=""/>
+        <a:font script="Jpan" typeface="ＭＳ Ｐゴシック"/>
+        <a:font script="Hang" typeface="맑은 고딕"/>
+        <a:font script="Hans" typeface="宋体"/>
+        <a:font script="Hant" typeface="新細明體"/>
+        <a:font script="Arab" typeface="Times New Roman"/>
+        <a:font script="Hebr" typeface="Times New Roman"/>
+        <a:font script="Thai" typeface="Angsana New"/>
+        <a:font script="Ethi" typeface="Nyala"/>
+        <a:font script="Beng" typeface="Vrinda"/>
+        <a:font script="Gujr" typeface="Shruti"/>
+        <a:font script="Khmr" typeface="MoolBoran"/>
+        <a:font script="Knda" typeface="Tunga"/>
+        <a:font script="Guru" typeface="Raavi"/>
+        <a:font script="Cans" typeface="Euphemia"/>
+        <a:font script="Cher" typeface="Plantagenet Cherokee"/>
+        <a:font script="Yiii" typeface="Microsoft Yi Baiti"/>
+        <a:font script="Tibt" typeface="Microsoft Himalaya"/>
+        <a:font script="Thaa" typeface="MV Boli"/>
+        <a:font script="Deva" typeface="Mangal"/>
+        <a:font script="Telu" typeface="Gautami"/>
+        <a:font script="Taml" typeface="Latha"/>
+        <a:font script="Syrc" typeface="Estrangelo Edessa"/>
+        <a:font script="Orya" typeface="Kalinga"/>
+        <a:font script="Mlym" typeface="Kartika"/>
+        <a:font script="Laoo" typeface="DokChampa"/>
+        <a:font script="Sinh" typeface="Iskoola Pota"/>
+        <a:font script="Mong" typeface="Mongolian Baiti"/>
+        <a:font script="Viet" typeface="Times New Roman"/>
+        <a:font script="Uigh" typeface="Microsoft Uighur"/>
+        <a:font script="Geor" typeface="Sylfaen"/>
+      </a:majorFont>
+      <a:minorFont>
+        <a:latin typeface="Calibri"/>
+        <a:ea typeface=""/>
+        <a:cs typeface=""/>
+        <a:font script="Jpan" typeface="ＭＳ Ｐゴシック"/>
+        <a:font script="Hang" typeface="맑은 고딕"/>
+        <a:font script="Hans" typeface="宋体"/>
+        <a:font script="Hant" typeface="新細明體"/>
+        <a:font script="Arab" typeface="Arial"/>
+        <a:font script="Hebr" typeface="Arial"/>
+        <a:font script="Thai" typeface="Cordia New"/>
+        <a:font script="Ethi" typeface="Nyala"/>
+        <a:font script="Beng" typeface="Vrinda"/>
+        <a:font script="Gujr" typeface="Shruti"/>
+        <a:font script="Khmr" typeface="DaunPenh"/>
+        <a:font script="Knda" typeface="Tunga"/>
+        <a:font script="Guru" typeface="Raavi"/>
+        <a:font script="Cans" typeface="Euphemia"/>
+        <a:font script="Cher" typeface="Plantagenet Cherokee"/>
+        <a:font script="Yiii" typeface="Microsoft Yi Baiti"/>
+        <a:font script="Tibt" typeface="Microsoft Himalaya"/>
+        <a:font script="Thaa" typeface="MV Boli"/>
+        <a:font script="Deva" typeface="Mangal"/>
+        <a:font script="Telu" typeface="Gautami"/>
+        <a:font script="Taml" typeface="Latha"/>
+        <a:font script="Syrc" typeface="Estrangelo Edessa"/>
+        <a:font script="Orya" typeface="Kalinga"/>
+        <a:font script="Mlym" typeface="Kartika"/>
+        <a:font script="Laoo" typeface="DokChampa"/>
+        <a:font script="Sinh" typeface="Iskoola Pota"/>
+        <a:font script="Mong" typeface="Mongolian Baiti"/>
+        <a:font script="Viet" typeface="Arial"/>
+        <a:font script="Uigh" typeface="Microsoft Uighur"/>
+        <a:font script="Geor" typeface="Sylfaen"/>
+      </a:minorFont>
+    </a:fontScheme>
+    <a:fmtScheme name="Office">
+      <a:fillStyleLst>
+        <a:solidFill>
+          <a:schemeClr val="phClr"/>
+        </a:solidFill>
+        <a:gradFill rotWithShape="1">
+          <a:gsLst>
+            <a:gs pos="0">
+              <a:schemeClr val="phClr">
+                <a:tint val="50000"/>
+                <a:satMod val="300000"/>
+              </a:schemeClr>
+            </a:gs>
+            <a:gs pos="35000">
+              <a:schemeClr val="phClr">
+                <a:tint val="37000"/>
+                <a:satMod val="300000"/>
+              </a:schemeClr>
+            </a:gs>
+            <a:gs pos="100000">
+              <a:schemeClr val="phClr">
+                <a:tint val="15000"/>
+                <a:satMod val="350000"/>
+              </a:schemeClr>
+            </a:gs>
+          </a:gsLst>
+          <a:lin ang="16200000" scaled="1"/>
+        </a:gradFill>
+        <a:gradFill rotWithShape="1">
+          <a:gsLst>
+            <a:gs pos="0">
+              <a:schemeClr val="phClr">
+                <a:tint val="100000"/>
+                <a:shade val="100000"/>
+                <a:satMod val="130000"/>
+              </a:schemeClr>
+            </a:gs>
+            <a:gs pos="100000">
+              <a:schemeClr val="phClr">
+                <a:tint val="50000"/>
+                <a:shade val="100000"/>
+                <a:satMod val="350000"/>
+              </a:schemeClr>
+            </a:gs>
+          </a:gsLst>
+          <a:lin ang="16200000" scaled="0"/>
+        </a:gradFill>
+      </a:fillStyleLst>
+      <a:lnStyleLst>
+        <a:ln w="9525" cap="flat" cmpd="sng" algn="ctr">
+          <a:solidFill>
+            <a:schemeClr val="phClr">
+              <a:shade val="95000"/>
+              <a:satMod val="105000"/>
+            </a:schemeClr>
+          </a:solidFill>
+          <a:prstDash val="solid"/>
+        </a:ln>
+        <a:ln w="25400" cap="flat" cmpd="sng" algn="ctr">
+          <a:solidFill>
+            <a:schemeClr val="phClr"/>
+          </a:solidFill>
+          <a:prstDash val="solid"/>
+        </a:ln>
+        <a:ln w="38100" cap="flat" cmpd="sng" algn="ctr">
+          <a:solidFill>
+            <a:schemeClr val="phClr"/>
+          </a:solidFill>
+          <a:prstDash val="solid"/>
+        </a:ln>
+      </a:lnStyleLst>
+      <a:effectStyleLst>
+        <a:effectStyle>
+          <a:effectLst>
+            <a:outerShdw blurRad="40000" dist="20000" dir="5400000" rotWithShape="0">
+              <a:srgbClr val="000000">
+                <a:alpha val="38000"/>
+              </a:srgbClr>
+            </a:outerShdw>
+          </a:effectLst>
+        </a:effectStyle>
+        <a:effectStyle>
+          <a:effectLst>
+            <a:outerShdw blurRad="40000" dist="23000" dir="5400000" rotWithShape="0">
+              <a:srgbClr val="000000">
+                <a:alpha val="35000"/>
+              </a:srgbClr>
+            </a:outerShdw>
+          </a:effectLst>
+        </a:effectStyle>
+        <a:effectStyle>
+          <a:effectLst>
+            <a:outerShdw blurRad="40000" dist="23000" dir="5400000" rotWithShape="0">
+              <a:srgbClr val="000000">
+                <a:alpha val="35000"/>
+              </a:srgbClr>
+            </a:outerShdw>
+          </a:effectLst>
+          <a:scene3d>
+            <a:camera prst="orthographicFront">
+              <a:rot lat="0" lon="0" rev="0"/>
+            </a:camera>
+            <a:lightRig rig="threePt" dir="t">
+              <a:rot lat="0" lon="0" rev="1200000"/>
+            </a:lightRig>
+          </a:scene3d>
+          <a:sp3d>
+            <a:bevelT w="63500" h="25400"/>
+          </a:sp3d>
+        </a:effectStyle>
+      </a:effectStyleLst>
+      <a:bgFillStyleLst>
+        <a:solidFill>
+          <a:schemeClr val="phClr"/>
+        </a:solidFill>
+        <a:gradFill rotWithShape="1">
+          <a:gsLst>
+            <a:gs pos="0">
+              <a:schemeClr val="phClr">
+                <a:tint val="40000"/>
+                <a:satMod val="350000"/>
+              </a:schemeClr>
+            </a:gs>
+            <a:gs pos="40000">
+              <a:schemeClr val="phClr">
+                <a:tint val="45000"/>
+                <a:shade val="99000"/>
+                <a:satMod val="350000"/>
+              </a:schemeClr>
+            </a:gs>
+            <a:gs pos="100000">
+              <a:schemeClr val="phClr">
+                <a:shade val="20000"/>
+                <a:satMod val="255000"/>
+              </a:schemeClr>
+            </a:gs>
+          </a:gsLst>
+          <a:path path="circle">
+            <a:fillToRect l="50000" t="-80000" r="50000" b="180000"/>
+          </a:path>
+        </a:gradFill>
+        <a:gradFill rotWithShape="1">
+          <a:gsLst>
+            <a:gs pos="0">
+              <a:schemeClr val="phClr">
+                <a:tint val="80000"/>
+                <a:satMod val="300000"/>
+              </a:schemeClr>
+            </a:gs>
+            <a:gs pos="100000">
+              <a:schemeClr val="phClr">
+                <a:shade val="30000"/>
+                <a:satMod val="200000"/>
+              </a:schemeClr>
+            </a:gs>
+          </a:gsLst>
+          <a:path path="circle">
+            <a:fillToRect l="50000" t="50000" r="50000" b="50000"/>
+          </a:path>
+        </a:gradFill>
+      </a:bgFillStyleLst>
+    </a:fmtScheme>
+  </a:themeElements>
+  <a:objectDefaults>
+    <a:spDef>
+      <a:spPr/>
+      <a:bodyPr/>
+      <a:lstStyle/>
+      <a:style>
+        <a:lnRef idx="1">
+          <a:schemeClr val="accent1"/>
+        </a:lnRef>
+        <a:fillRef idx="3">
+          <a:schemeClr val="accent1"/>
+        </a:fillRef>
+        <a:effectRef idx="2">
+          <a:schemeClr val="accent1"/>
+        </a:effectRef>
+        <a:fontRef idx="minor">
+          <a:schemeClr val="lt1"/>
+        </a:fontRef>
+      </a:style>
+    </a:spDef>
+    <a:lnDef>
+      <a:spPr/>
+      <a:bodyPr/>
+      <a:lstStyle/>
+      <a:style>
+        <a:lnRef idx="2">
+          <a:schemeClr val="accent1"/>
+        </a:lnRef>
+        <a:fillRef idx="0">
+          <a:schemeClr val="accent1"/>
+        </a:fillRef>
+        <a:effectRef idx="1">
+          <a:schemeClr val="accent1"/>
+        </a:effectRef>
+        <a:fontRef idx="minor">
+          <a:schemeClr val="tx1"/>
+        </a:fontRef>
+      </a:style>
+    </a:lnDef>
+  </a:objectDefaults>
+  <a:extraClrSchemeLst/>
+</a:theme>
 </file>
--- a/ grad_ppt.pptx
+++ b/ grad_ppt.pptx
@@ -5,7 +5,7 @@
     <p:sldMasterId id="2147483648" r:id="rId1"/>
   </p:sldMasterIdLst>
   <p:notesMasterIdLst>
-    <p:notesMasterId r:id="rId18"/>
+    <p:notesMasterId r:id="rId29"/>
   </p:notesMasterIdLst>
   <p:sldIdLst>
     <p:sldId id="256" r:id="rId2"/>
@@ -19,11 +19,22 @@
     <p:sldId id="266" r:id="rId10"/>
     <p:sldId id="271" r:id="rId11"/>
     <p:sldId id="262" r:id="rId12"/>
-    <p:sldId id="263" r:id="rId13"/>
-    <p:sldId id="264" r:id="rId14"/>
-    <p:sldId id="265" r:id="rId15"/>
-    <p:sldId id="258" r:id="rId16"/>
-    <p:sldId id="260" r:id="rId17"/>
+    <p:sldId id="272" r:id="rId13"/>
+    <p:sldId id="273" r:id="rId14"/>
+    <p:sldId id="263" r:id="rId15"/>
+    <p:sldId id="264" r:id="rId16"/>
+    <p:sldId id="274" r:id="rId17"/>
+    <p:sldId id="275" r:id="rId18"/>
+    <p:sldId id="276" r:id="rId19"/>
+    <p:sldId id="277" r:id="rId20"/>
+    <p:sldId id="279" r:id="rId21"/>
+    <p:sldId id="278" r:id="rId22"/>
+    <p:sldId id="280" r:id="rId23"/>
+    <p:sldId id="281" r:id="rId24"/>
+    <p:sldId id="282" r:id="rId25"/>
+    <p:sldId id="265" r:id="rId26"/>
+    <p:sldId id="258" r:id="rId27"/>
+    <p:sldId id="260" r:id="rId28"/>
   </p:sldIdLst>
   <p:sldSz cx="9144000" cy="6858000" type="screen4x3"/>
   <p:notesSz cx="6858000" cy="9144000"/>
@@ -207,7 +218,7 @@
           <a:p>
             <a:fld id="{94886DB7-2E3A-E746-B000-ADB54AB3F50A}" type="datetimeFigureOut">
               <a:rPr kumimoji="1" lang="ja-JP" altLang="en-US" smtClean="0"/>
-              <a:t>17/01/20</a:t>
+              <a:t>17/01/21</a:t>
             </a:fld>
             <a:endParaRPr kumimoji="1" lang="ja-JP" altLang="en-US"/>
           </a:p>
@@ -864,7 +875,7 @@
           <a:p>
             <a:fld id="{BBD0F698-A70D-D34D-B6C0-4CAAF2AC1194}" type="datetimeFigureOut">
               <a:rPr kumimoji="1" lang="ja-JP" altLang="en-US" smtClean="0"/>
-              <a:t>17/01/20</a:t>
+              <a:t>17/01/21</a:t>
             </a:fld>
             <a:endParaRPr kumimoji="1" lang="ja-JP" altLang="en-US"/>
           </a:p>
@@ -1066,7 +1077,7 @@
           <a:p>
             <a:fld id="{BBD0F698-A70D-D34D-B6C0-4CAAF2AC1194}" type="datetimeFigureOut">
               <a:rPr kumimoji="1" lang="ja-JP" altLang="en-US" smtClean="0"/>
-              <a:t>17/01/20</a:t>
+              <a:t>17/01/21</a:t>
             </a:fld>
             <a:endParaRPr kumimoji="1" lang="ja-JP" altLang="en-US"/>
           </a:p>
@@ -1278,7 +1289,7 @@
           <a:p>
             <a:fld id="{BBD0F698-A70D-D34D-B6C0-4CAAF2AC1194}" type="datetimeFigureOut">
               <a:rPr kumimoji="1" lang="ja-JP" altLang="en-US" smtClean="0"/>
-              <a:t>17/01/20</a:t>
+              <a:t>17/01/21</a:t>
             </a:fld>
             <a:endParaRPr kumimoji="1" lang="ja-JP" altLang="en-US"/>
           </a:p>
@@ -1480,7 +1491,7 @@
           <a:p>
             <a:fld id="{BBD0F698-A70D-D34D-B6C0-4CAAF2AC1194}" type="datetimeFigureOut">
               <a:rPr kumimoji="1" lang="ja-JP" altLang="en-US" smtClean="0"/>
-              <a:t>17/01/20</a:t>
+              <a:t>17/01/21</a:t>
             </a:fld>
             <a:endParaRPr kumimoji="1" lang="ja-JP" altLang="en-US"/>
           </a:p>
@@ -1726,7 +1737,7 @@
           <a:p>
             <a:fld id="{BBD0F698-A70D-D34D-B6C0-4CAAF2AC1194}" type="datetimeFigureOut">
               <a:rPr kumimoji="1" lang="ja-JP" altLang="en-US" smtClean="0"/>
-              <a:t>17/01/20</a:t>
+              <a:t>17/01/21</a:t>
             </a:fld>
             <a:endParaRPr kumimoji="1" lang="ja-JP" altLang="en-US"/>
           </a:p>
@@ -2078,7 +2089,7 @@
           <a:p>
             <a:fld id="{BBD0F698-A70D-D34D-B6C0-4CAAF2AC1194}" type="datetimeFigureOut">
               <a:rPr kumimoji="1" lang="ja-JP" altLang="en-US" smtClean="0"/>
-              <a:t>17/01/20</a:t>
+              <a:t>17/01/21</a:t>
             </a:fld>
             <a:endParaRPr kumimoji="1" lang="ja-JP" altLang="en-US"/>
           </a:p>
@@ -2564,7 +2575,7 @@
           <a:p>
             <a:fld id="{BBD0F698-A70D-D34D-B6C0-4CAAF2AC1194}" type="datetimeFigureOut">
               <a:rPr kumimoji="1" lang="ja-JP" altLang="en-US" smtClean="0"/>
-              <a:t>17/01/20</a:t>
+              <a:t>17/01/21</a:t>
             </a:fld>
             <a:endParaRPr kumimoji="1" lang="ja-JP" altLang="en-US"/>
           </a:p>
@@ -2682,7 +2693,7 @@
           <a:p>
             <a:fld id="{BBD0F698-A70D-D34D-B6C0-4CAAF2AC1194}" type="datetimeFigureOut">
               <a:rPr kumimoji="1" lang="ja-JP" altLang="en-US" smtClean="0"/>
-              <a:t>17/01/20</a:t>
+              <a:t>17/01/21</a:t>
             </a:fld>
             <a:endParaRPr kumimoji="1" lang="ja-JP" altLang="en-US"/>
           </a:p>
@@ -2777,7 +2788,7 @@
           <a:p>
             <a:fld id="{BBD0F698-A70D-D34D-B6C0-4CAAF2AC1194}" type="datetimeFigureOut">
               <a:rPr kumimoji="1" lang="ja-JP" altLang="en-US" smtClean="0"/>
-              <a:t>17/01/20</a:t>
+              <a:t>17/01/21</a:t>
             </a:fld>
             <a:endParaRPr kumimoji="1" lang="ja-JP" altLang="en-US"/>
           </a:p>
@@ -3086,7 +3097,7 @@
           <a:p>
             <a:fld id="{BBD0F698-A70D-D34D-B6C0-4CAAF2AC1194}" type="datetimeFigureOut">
               <a:rPr kumimoji="1" lang="ja-JP" altLang="en-US" smtClean="0"/>
-              <a:t>17/01/20</a:t>
+              <a:t>17/01/21</a:t>
             </a:fld>
             <a:endParaRPr kumimoji="1" lang="ja-JP" altLang="en-US"/>
           </a:p>
@@ -3339,7 +3350,7 @@
           <a:p>
             <a:fld id="{BBD0F698-A70D-D34D-B6C0-4CAAF2AC1194}" type="datetimeFigureOut">
               <a:rPr kumimoji="1" lang="ja-JP" altLang="en-US" smtClean="0"/>
-              <a:t>17/01/20</a:t>
+              <a:t>17/01/21</a:t>
             </a:fld>
             <a:endParaRPr kumimoji="1" lang="ja-JP" altLang="en-US"/>
           </a:p>
@@ -3584,7 +3595,7 @@
           <a:p>
             <a:fld id="{BBD0F698-A70D-D34D-B6C0-4CAAF2AC1194}" type="datetimeFigureOut">
               <a:rPr kumimoji="1" lang="ja-JP" altLang="en-US" smtClean="0"/>
-              <a:t>17/01/20</a:t>
+              <a:t>17/01/21</a:t>
             </a:fld>
             <a:endParaRPr kumimoji="1" lang="ja-JP" altLang="en-US"/>
           </a:p>
@@ -4105,11 +4116,7 @@
             </a:r>
             <a:r>
               <a:rPr lang="ja-JP" altLang="en-US" dirty="0" smtClean="0"/>
-              <a:t>）</a:t>
-            </a:r>
-            <a:r>
-              <a:rPr lang="ja-JP" altLang="en-US" dirty="0" smtClean="0"/>
-              <a:t>を出す</a:t>
+              <a:t>）を出す</a:t>
             </a:r>
             <a:endParaRPr lang="en-US" altLang="ja-JP" dirty="0" smtClean="0"/>
           </a:p>
@@ -4200,6 +4207,36 @@
           <a:bodyPr/>
           <a:lstStyle/>
           <a:p>
+            <a:r>
+              <a:rPr lang="en-US" altLang="ja-JP" dirty="0" smtClean="0"/>
+              <a:t>JSON</a:t>
+            </a:r>
+            <a:r>
+              <a:rPr lang="ja-JP" altLang="en-US" dirty="0" smtClean="0"/>
+              <a:t>型で取り込んだプログラムを</a:t>
+            </a:r>
+            <a:r>
+              <a:rPr lang="en-US" altLang="ja-JP" dirty="0" smtClean="0"/>
+              <a:t>Python</a:t>
+            </a:r>
+            <a:r>
+              <a:rPr lang="ja-JP" altLang="en-US" dirty="0" smtClean="0"/>
+              <a:t>プログラムで操作を行う。</a:t>
+            </a:r>
+            <a:endParaRPr lang="en-US" altLang="ja-JP" dirty="0" smtClean="0"/>
+          </a:p>
+          <a:p>
+            <a:r>
+              <a:rPr lang="en-US" altLang="en-US" dirty="0"/>
+              <a:t>Cos</a:t>
+            </a:r>
+            <a:r>
+              <a:rPr lang="ja-JP" altLang="en-US" dirty="0"/>
+              <a:t>類似度を類似度推定の尺度として利用する。</a:t>
+            </a:r>
+            <a:endParaRPr lang="en-US" altLang="ja-JP" dirty="0"/>
+          </a:p>
+          <a:p>
             <a:endParaRPr kumimoji="1" lang="ja-JP" altLang="en-US" dirty="0"/>
           </a:p>
         </p:txBody>
@@ -4250,8 +4287,16 @@
           <a:lstStyle/>
           <a:p>
             <a:r>
+              <a:rPr kumimoji="1" lang="en-US" altLang="ja-JP" dirty="0" smtClean="0"/>
+              <a:t>Python</a:t>
+            </a:r>
+            <a:r>
               <a:rPr kumimoji="1" lang="ja-JP" altLang="en-US" dirty="0" smtClean="0"/>
-              <a:t>実験方法</a:t>
+              <a:t>と</a:t>
+            </a:r>
+            <a:r>
+              <a:rPr kumimoji="1" lang="en-US" altLang="ja-JP" dirty="0" smtClean="0"/>
+              <a:t>JSON</a:t>
             </a:r>
             <a:endParaRPr kumimoji="1" lang="ja-JP" altLang="en-US" dirty="0"/>
           </a:p>
@@ -4272,14 +4317,49 @@
           <a:bodyPr/>
           <a:lstStyle/>
           <a:p>
-            <a:endParaRPr kumimoji="1" lang="ja-JP" altLang="en-US"/>
+            <a:r>
+              <a:rPr kumimoji="1" lang="en-US" altLang="ja-JP" dirty="0" smtClean="0"/>
+              <a:t>Scratch</a:t>
+            </a:r>
+            <a:r>
+              <a:rPr kumimoji="1" lang="ja-JP" altLang="en-US" dirty="0" smtClean="0"/>
+              <a:t>サイトのプログラムは</a:t>
+            </a:r>
+            <a:r>
+              <a:rPr kumimoji="1" lang="en-US" altLang="ja-JP" dirty="0" smtClean="0"/>
+              <a:t>JSON</a:t>
+            </a:r>
+            <a:r>
+              <a:rPr kumimoji="1" lang="ja-JP" altLang="en-US" dirty="0" smtClean="0"/>
+              <a:t>型でダウンロードが可能</a:t>
+            </a:r>
+            <a:endParaRPr kumimoji="1" lang="en-US" altLang="ja-JP" dirty="0" smtClean="0"/>
+          </a:p>
+          <a:p>
+            <a:r>
+              <a:rPr kumimoji="1" lang="en-US" altLang="ja-JP" dirty="0" smtClean="0"/>
+              <a:t>Python</a:t>
+            </a:r>
+            <a:r>
+              <a:rPr kumimoji="1" lang="ja-JP" altLang="en-US" dirty="0" smtClean="0"/>
+              <a:t>では</a:t>
+            </a:r>
+            <a:r>
+              <a:rPr kumimoji="1" lang="en-US" altLang="ja-JP" dirty="0" err="1" smtClean="0"/>
+              <a:t>json</a:t>
+            </a:r>
+            <a:r>
+              <a:rPr kumimoji="1" lang="ja-JP" altLang="en-US" dirty="0" smtClean="0"/>
+              <a:t>モジュールを使用して、ダウンロードしたプログラムの操作ができる</a:t>
+            </a:r>
+            <a:endParaRPr kumimoji="1" lang="ja-JP" altLang="en-US" dirty="0"/>
           </a:p>
         </p:txBody>
       </p:sp>
     </p:spTree>
     <p:extLst>
       <p:ext uri="{BB962C8B-B14F-4D97-AF65-F5344CB8AC3E}">
-        <p14:creationId xmlns:p14="http://schemas.microsoft.com/office/powerpoint/2010/main" val="3483746831"/>
+        <p14:creationId xmlns:p14="http://schemas.microsoft.com/office/powerpoint/2010/main" val="1989536018"/>
       </p:ext>
     </p:extLst>
   </p:cSld>
@@ -4322,36 +4402,87 @@
           <a:lstStyle/>
           <a:p>
             <a:r>
+              <a:rPr kumimoji="1" lang="en-US" altLang="ja-JP" dirty="0" smtClean="0"/>
+              <a:t>Cos</a:t>
+            </a:r>
+            <a:r>
               <a:rPr kumimoji="1" lang="ja-JP" altLang="en-US" dirty="0" smtClean="0"/>
-              <a:t>実験結果</a:t>
+              <a:t>類似度</a:t>
             </a:r>
             <a:endParaRPr kumimoji="1" lang="ja-JP" altLang="en-US" dirty="0"/>
           </a:p>
         </p:txBody>
       </p:sp>
-      <p:sp>
-        <p:nvSpPr>
-          <p:cNvPr id="3" name="コンテンツ プレースホルダー 2"/>
-          <p:cNvSpPr>
-            <a:spLocks noGrp="1"/>
-          </p:cNvSpPr>
+      <p:pic>
+        <p:nvPicPr>
+          <p:cNvPr id="4" name="コンテンツ プレースホルダー 3" descr="スクリーンショット 0029-01-21 17.42.12.png"/>
+          <p:cNvPicPr>
+            <a:picLocks noGrp="1" noChangeAspect="1"/>
+          </p:cNvPicPr>
           <p:nvPr>
             <p:ph idx="1"/>
           </p:nvPr>
-        </p:nvSpPr>
-        <p:spPr/>
-        <p:txBody>
-          <a:bodyPr/>
-          <a:lstStyle/>
-          <a:p>
-            <a:endParaRPr kumimoji="1" lang="ja-JP" altLang="en-US"/>
+        </p:nvPicPr>
+        <p:blipFill rotWithShape="1">
+          <a:blip r:embed="rId2">
+            <a:extLst>
+              <a:ext uri="{28A0092B-C50C-407E-A947-70E740481C1C}">
+                <a14:useLocalDpi xmlns:a14="http://schemas.microsoft.com/office/drawing/2010/main" val="0"/>
+              </a:ext>
+            </a:extLst>
+          </a:blip>
+          <a:srcRect t="-18609" b="-18609"/>
+          <a:stretch/>
+        </p:blipFill>
+        <p:spPr>
+          <a:xfrm>
+            <a:off x="1815988" y="2681437"/>
+            <a:ext cx="6121786" cy="3366747"/>
+          </a:xfrm>
+        </p:spPr>
+      </p:pic>
+      <p:sp>
+        <p:nvSpPr>
+          <p:cNvPr id="6" name="テキスト ボックス 5"/>
+          <p:cNvSpPr txBox="1"/>
+          <p:nvPr/>
+        </p:nvSpPr>
+        <p:spPr>
+          <a:xfrm>
+            <a:off x="457200" y="1417638"/>
+            <a:ext cx="8229600" cy="1077218"/>
+          </a:xfrm>
+          <a:prstGeom prst="rect">
+            <a:avLst/>
+          </a:prstGeom>
+          <a:noFill/>
+        </p:spPr>
+        <p:txBody>
+          <a:bodyPr wrap="square" rtlCol="0">
+            <a:spAutoFit/>
+          </a:bodyPr>
+          <a:lstStyle/>
+          <a:p>
+            <a:r>
+              <a:rPr kumimoji="1" lang="ja-JP" altLang="en-US" sz="3200" dirty="0" smtClean="0"/>
+              <a:t>ベクトル空間モデルにおいて、比較する</a:t>
+            </a:r>
+            <a:r>
+              <a:rPr kumimoji="1" lang="en-US" altLang="ja-JP" sz="3200" dirty="0" smtClean="0"/>
+              <a:t>2</a:t>
+            </a:r>
+            <a:r>
+              <a:rPr kumimoji="1" lang="ja-JP" altLang="en-US" sz="3200" dirty="0" smtClean="0"/>
+              <a:t>要素を計算する方法。</a:t>
+            </a:r>
+            <a:endParaRPr kumimoji="1" lang="ja-JP" altLang="en-US" sz="3200" dirty="0"/>
           </a:p>
         </p:txBody>
       </p:sp>
     </p:spTree>
     <p:extLst>
       <p:ext uri="{BB962C8B-B14F-4D97-AF65-F5344CB8AC3E}">
-        <p14:creationId xmlns:p14="http://schemas.microsoft.com/office/powerpoint/2010/main" val="2864592049"/>
+        <p14:creationId xmlns:p14="http://schemas.microsoft.com/office/powerpoint/2010/main" val="3136042576"/>
       </p:ext>
     </p:extLst>
   </p:cSld>
@@ -4395,7 +4526,7 @@
           <a:p>
             <a:r>
               <a:rPr kumimoji="1" lang="ja-JP" altLang="en-US" dirty="0" smtClean="0"/>
-              <a:t>評価</a:t>
+              <a:t>実験方法</a:t>
             </a:r>
             <a:endParaRPr kumimoji="1" lang="ja-JP" altLang="en-US" dirty="0"/>
           </a:p>
@@ -4416,14 +4547,56 @@
           <a:bodyPr/>
           <a:lstStyle/>
           <a:p>
-            <a:endParaRPr kumimoji="1" lang="ja-JP" altLang="en-US" dirty="0"/>
+            <a:r>
+              <a:rPr kumimoji="1" lang="ja-JP" altLang="en-US" dirty="0" smtClean="0"/>
+              <a:t>ダウンロードしたプログラムを操作し、</a:t>
+            </a:r>
+            <a:r>
+              <a:rPr lang="ja-JP" altLang="en-US" dirty="0"/>
+              <a:t>ブロック種類ごと</a:t>
+            </a:r>
+            <a:r>
+              <a:rPr lang="ja-JP" altLang="en-US" dirty="0" smtClean="0"/>
+              <a:t>個数</a:t>
+            </a:r>
+            <a:r>
+              <a:rPr lang="ja-JP" altLang="en-US" dirty="0" smtClean="0"/>
+              <a:t>、全体で</a:t>
+            </a:r>
+            <a:r>
+              <a:rPr kumimoji="1" lang="ja-JP" altLang="en-US" dirty="0" smtClean="0"/>
+              <a:t>使用されているブロック数、スプライト数の個数を抽出</a:t>
+            </a:r>
+            <a:endParaRPr kumimoji="1" lang="en-US" altLang="ja-JP" dirty="0" smtClean="0"/>
+          </a:p>
+          <a:p>
+            <a:r>
+              <a:rPr lang="ja-JP" altLang="en-US" dirty="0" smtClean="0"/>
+              <a:t>ブロック種類ごとの個数をベクター化し、</a:t>
+            </a:r>
+            <a:r>
+              <a:rPr lang="en-US" altLang="ja-JP" dirty="0" err="1" smtClean="0"/>
+              <a:t>cos</a:t>
+            </a:r>
+            <a:r>
+              <a:rPr lang="ja-JP" altLang="en-US" dirty="0" smtClean="0"/>
+              <a:t>類似度の計算をする</a:t>
+            </a:r>
+            <a:endParaRPr lang="en-US" altLang="ja-JP" dirty="0" smtClean="0"/>
+          </a:p>
+          <a:p>
+            <a:r>
+              <a:rPr kumimoji="1" lang="ja-JP" altLang="en-US" dirty="0" smtClean="0"/>
+              <a:t>実行結果からグラフを作成</a:t>
+            </a:r>
+            <a:endParaRPr kumimoji="1" lang="en-US" altLang="ja-JP" dirty="0" smtClean="0"/>
           </a:p>
         </p:txBody>
       </p:sp>
     </p:spTree>
     <p:extLst>
       <p:ext uri="{BB962C8B-B14F-4D97-AF65-F5344CB8AC3E}">
-        <p14:creationId xmlns:p14="http://schemas.microsoft.com/office/powerpoint/2010/main" val="4050209343"/>
+        <p14:creationId xmlns:p14="http://schemas.microsoft.com/office/powerpoint/2010/main" val="3483746831"/>
       </p:ext>
     </p:extLst>
   </p:cSld>
@@ -4467,35 +4640,65 @@
           <a:p>
             <a:r>
               <a:rPr kumimoji="1" lang="ja-JP" altLang="en-US" dirty="0" smtClean="0"/>
-              <a:t>今後の展望</a:t>
+              <a:t>実験</a:t>
+            </a:r>
+            <a:r>
+              <a:rPr kumimoji="1" lang="ja-JP" altLang="en-US" dirty="0" smtClean="0"/>
+              <a:t>結果</a:t>
+            </a:r>
+            <a:r>
+              <a:rPr lang="ja-JP" altLang="en-US" dirty="0"/>
+              <a:t>（</a:t>
+            </a:r>
+            <a:r>
+              <a:rPr lang="en-US" altLang="ja-JP" dirty="0"/>
+              <a:t>1</a:t>
+            </a:r>
+            <a:r>
+              <a:rPr lang="ja-JP" altLang="en-US" dirty="0"/>
+              <a:t>／</a:t>
+            </a:r>
+            <a:r>
+              <a:rPr lang="en-US" altLang="ja-JP" dirty="0"/>
+              <a:t>10</a:t>
+            </a:r>
+            <a:r>
+              <a:rPr lang="ja-JP" altLang="en-US" dirty="0"/>
+              <a:t>）</a:t>
             </a:r>
             <a:endParaRPr kumimoji="1" lang="ja-JP" altLang="en-US" dirty="0"/>
           </a:p>
         </p:txBody>
       </p:sp>
-      <p:sp>
-        <p:nvSpPr>
-          <p:cNvPr id="3" name="コンテンツ プレースホルダー 2"/>
-          <p:cNvSpPr>
-            <a:spLocks noGrp="1"/>
-          </p:cNvSpPr>
+      <p:pic>
+        <p:nvPicPr>
+          <p:cNvPr id="4" name="コンテンツ プレースホルダー 3" descr="スクリーンショット 0029-01-21 17.56.56.png"/>
+          <p:cNvPicPr>
+            <a:picLocks noGrp="1" noChangeAspect="1"/>
+          </p:cNvPicPr>
           <p:nvPr>
             <p:ph idx="1"/>
           </p:nvPr>
-        </p:nvSpPr>
-        <p:spPr/>
-        <p:txBody>
-          <a:bodyPr/>
-          <a:lstStyle/>
-          <a:p>
-            <a:endParaRPr kumimoji="1" lang="ja-JP" altLang="en-US"/>
-          </a:p>
-        </p:txBody>
-      </p:sp>
+        </p:nvPicPr>
+        <p:blipFill>
+          <a:blip r:embed="rId2">
+            <a:extLst>
+              <a:ext uri="{28A0092B-C50C-407E-A947-70E740481C1C}">
+                <a14:useLocalDpi xmlns:a14="http://schemas.microsoft.com/office/drawing/2010/main" val="0"/>
+              </a:ext>
+            </a:extLst>
+          </a:blip>
+          <a:srcRect l="-21566" r="-21566"/>
+          <a:stretch>
+            <a:fillRect/>
+          </a:stretch>
+        </p:blipFill>
+        <p:spPr/>
+      </p:pic>
     </p:spTree>
     <p:extLst>
       <p:ext uri="{BB962C8B-B14F-4D97-AF65-F5344CB8AC3E}">
-        <p14:creationId xmlns:p14="http://schemas.microsoft.com/office/powerpoint/2010/main" val="3820877570"/>
+        <p14:creationId xmlns:p14="http://schemas.microsoft.com/office/powerpoint/2010/main" val="2864592049"/>
       </p:ext>
     </p:extLst>
   </p:cSld>
@@ -4529,45 +4732,381 @@
             <a:spLocks noGrp="1"/>
           </p:cNvSpPr>
           <p:nvPr>
-            <p:ph type="ctrTitle"/>
-          </p:nvPr>
-        </p:nvSpPr>
-        <p:spPr/>
-        <p:txBody>
-          <a:bodyPr/>
-          <a:lstStyle/>
-          <a:p>
+            <p:ph type="title"/>
+          </p:nvPr>
+        </p:nvSpPr>
+        <p:spPr/>
+        <p:txBody>
+          <a:bodyPr/>
+          <a:lstStyle/>
+          <a:p>
+            <a:r>
+              <a:rPr kumimoji="1" lang="ja-JP" altLang="en-US" dirty="0" smtClean="0"/>
+              <a:t>実験</a:t>
+            </a:r>
+            <a:r>
+              <a:rPr kumimoji="1" lang="ja-JP" altLang="en-US" dirty="0" smtClean="0"/>
+              <a:t>結果</a:t>
+            </a:r>
             <a:r>
               <a:rPr lang="ja-JP" altLang="en-US" dirty="0" smtClean="0"/>
-              <a:t>ご静聴ありがとうございました。</a:t>
+              <a:t>（</a:t>
+            </a:r>
+            <a:r>
+              <a:rPr lang="en-US" altLang="ja-JP" dirty="0"/>
+              <a:t>2</a:t>
+            </a:r>
+            <a:r>
+              <a:rPr lang="ja-JP" altLang="en-US" dirty="0" smtClean="0"/>
+              <a:t>／</a:t>
+            </a:r>
+            <a:r>
+              <a:rPr lang="en-US" altLang="ja-JP" dirty="0"/>
+              <a:t>10</a:t>
+            </a:r>
+            <a:r>
+              <a:rPr lang="ja-JP" altLang="en-US" dirty="0"/>
+              <a:t>）</a:t>
             </a:r>
             <a:endParaRPr kumimoji="1" lang="ja-JP" altLang="en-US" dirty="0"/>
           </a:p>
         </p:txBody>
       </p:sp>
-      <p:sp>
-        <p:nvSpPr>
-          <p:cNvPr id="3" name="サブタイトル 2"/>
-          <p:cNvSpPr>
-            <a:spLocks noGrp="1"/>
-          </p:cNvSpPr>
-          <p:nvPr>
-            <p:ph type="subTitle" idx="1"/>
-          </p:nvPr>
-        </p:nvSpPr>
-        <p:spPr/>
-        <p:txBody>
-          <a:bodyPr/>
-          <a:lstStyle/>
-          <a:p>
-            <a:endParaRPr kumimoji="1" lang="ja-JP" altLang="en-US"/>
-          </a:p>
-        </p:txBody>
-      </p:sp>
+      <p:pic>
+        <p:nvPicPr>
+          <p:cNvPr id="5" name="コンテンツ プレースホルダー 4" descr="スクリーンショット 0029-01-21 17.57.05.png"/>
+          <p:cNvPicPr>
+            <a:picLocks noGrp="1" noChangeAspect="1"/>
+          </p:cNvPicPr>
+          <p:nvPr>
+            <p:ph idx="1"/>
+          </p:nvPr>
+        </p:nvPicPr>
+        <p:blipFill>
+          <a:blip r:embed="rId2">
+            <a:extLst>
+              <a:ext uri="{28A0092B-C50C-407E-A947-70E740481C1C}">
+                <a14:useLocalDpi xmlns:a14="http://schemas.microsoft.com/office/drawing/2010/main" val="0"/>
+              </a:ext>
+            </a:extLst>
+          </a:blip>
+          <a:srcRect l="-21301" r="-21301"/>
+          <a:stretch>
+            <a:fillRect/>
+          </a:stretch>
+        </p:blipFill>
+        <p:spPr/>
+      </p:pic>
     </p:spTree>
     <p:extLst>
       <p:ext uri="{BB962C8B-B14F-4D97-AF65-F5344CB8AC3E}">
-        <p14:creationId xmlns:p14="http://schemas.microsoft.com/office/powerpoint/2010/main" val="4113655095"/>
+        <p14:creationId xmlns:p14="http://schemas.microsoft.com/office/powerpoint/2010/main" val="2684653204"/>
+      </p:ext>
+    </p:extLst>
+  </p:cSld>
+  <p:clrMapOvr>
+    <a:masterClrMapping/>
+  </p:clrMapOvr>
+</p:sld>
+</file>
+
+<file path=ppt/slides/slide17.xml><?xml version="1.0" encoding="utf-8"?>
+<p:sld xmlns:a="http://schemas.openxmlformats.org/drawingml/2006/main" xmlns:r="http://schemas.openxmlformats.org/officeDocument/2006/relationships" xmlns:p="http://schemas.openxmlformats.org/presentationml/2006/main">
+  <p:cSld>
+    <p:spTree>
+      <p:nvGrpSpPr>
+        <p:cNvPr id="1" name=""/>
+        <p:cNvGrpSpPr/>
+        <p:nvPr/>
+      </p:nvGrpSpPr>
+      <p:grpSpPr>
+        <a:xfrm>
+          <a:off x="0" y="0"/>
+          <a:ext cx="0" cy="0"/>
+          <a:chOff x="0" y="0"/>
+          <a:chExt cx="0" cy="0"/>
+        </a:xfrm>
+      </p:grpSpPr>
+      <p:sp>
+        <p:nvSpPr>
+          <p:cNvPr id="2" name="タイトル 1"/>
+          <p:cNvSpPr>
+            <a:spLocks noGrp="1"/>
+          </p:cNvSpPr>
+          <p:nvPr>
+            <p:ph type="title"/>
+          </p:nvPr>
+        </p:nvSpPr>
+        <p:spPr/>
+        <p:txBody>
+          <a:bodyPr/>
+          <a:lstStyle/>
+          <a:p>
+            <a:r>
+              <a:rPr kumimoji="1" lang="ja-JP" altLang="en-US" dirty="0" smtClean="0"/>
+              <a:t>実験</a:t>
+            </a:r>
+            <a:r>
+              <a:rPr kumimoji="1" lang="ja-JP" altLang="en-US" dirty="0" smtClean="0"/>
+              <a:t>結果</a:t>
+            </a:r>
+            <a:r>
+              <a:rPr lang="ja-JP" altLang="en-US" dirty="0" smtClean="0"/>
+              <a:t>（</a:t>
+            </a:r>
+            <a:r>
+              <a:rPr lang="en-US" altLang="ja-JP" dirty="0"/>
+              <a:t>3</a:t>
+            </a:r>
+            <a:r>
+              <a:rPr lang="ja-JP" altLang="en-US" dirty="0" smtClean="0"/>
+              <a:t>／</a:t>
+            </a:r>
+            <a:r>
+              <a:rPr lang="en-US" altLang="ja-JP" dirty="0"/>
+              <a:t>10</a:t>
+            </a:r>
+            <a:r>
+              <a:rPr lang="ja-JP" altLang="en-US" dirty="0"/>
+              <a:t>）</a:t>
+            </a:r>
+            <a:endParaRPr kumimoji="1" lang="ja-JP" altLang="en-US" dirty="0"/>
+          </a:p>
+        </p:txBody>
+      </p:sp>
+      <p:pic>
+        <p:nvPicPr>
+          <p:cNvPr id="4" name="コンテンツ プレースホルダー 3" descr="スクリーンショット 0029-01-21 17.57.13.png"/>
+          <p:cNvPicPr>
+            <a:picLocks noGrp="1" noChangeAspect="1"/>
+          </p:cNvPicPr>
+          <p:nvPr>
+            <p:ph idx="1"/>
+          </p:nvPr>
+        </p:nvPicPr>
+        <p:blipFill>
+          <a:blip r:embed="rId2">
+            <a:extLst>
+              <a:ext uri="{28A0092B-C50C-407E-A947-70E740481C1C}">
+                <a14:useLocalDpi xmlns:a14="http://schemas.microsoft.com/office/drawing/2010/main" val="0"/>
+              </a:ext>
+            </a:extLst>
+          </a:blip>
+          <a:srcRect l="-24435" r="-24435"/>
+          <a:stretch>
+            <a:fillRect/>
+          </a:stretch>
+        </p:blipFill>
+        <p:spPr/>
+      </p:pic>
+    </p:spTree>
+    <p:extLst>
+      <p:ext uri="{BB962C8B-B14F-4D97-AF65-F5344CB8AC3E}">
+        <p14:creationId xmlns:p14="http://schemas.microsoft.com/office/powerpoint/2010/main" val="3411669757"/>
+      </p:ext>
+    </p:extLst>
+  </p:cSld>
+  <p:clrMapOvr>
+    <a:masterClrMapping/>
+  </p:clrMapOvr>
+</p:sld>
+</file>
+
+<file path=ppt/slides/slide18.xml><?xml version="1.0" encoding="utf-8"?>
+<p:sld xmlns:a="http://schemas.openxmlformats.org/drawingml/2006/main" xmlns:r="http://schemas.openxmlformats.org/officeDocument/2006/relationships" xmlns:p="http://schemas.openxmlformats.org/presentationml/2006/main">
+  <p:cSld>
+    <p:spTree>
+      <p:nvGrpSpPr>
+        <p:cNvPr id="1" name=""/>
+        <p:cNvGrpSpPr/>
+        <p:nvPr/>
+      </p:nvGrpSpPr>
+      <p:grpSpPr>
+        <a:xfrm>
+          <a:off x="0" y="0"/>
+          <a:ext cx="0" cy="0"/>
+          <a:chOff x="0" y="0"/>
+          <a:chExt cx="0" cy="0"/>
+        </a:xfrm>
+      </p:grpSpPr>
+      <p:sp>
+        <p:nvSpPr>
+          <p:cNvPr id="2" name="タイトル 1"/>
+          <p:cNvSpPr>
+            <a:spLocks noGrp="1"/>
+          </p:cNvSpPr>
+          <p:nvPr>
+            <p:ph type="title"/>
+          </p:nvPr>
+        </p:nvSpPr>
+        <p:spPr/>
+        <p:txBody>
+          <a:bodyPr/>
+          <a:lstStyle/>
+          <a:p>
+            <a:r>
+              <a:rPr kumimoji="1" lang="ja-JP" altLang="en-US" dirty="0" smtClean="0"/>
+              <a:t>実験</a:t>
+            </a:r>
+            <a:r>
+              <a:rPr kumimoji="1" lang="ja-JP" altLang="en-US" dirty="0" smtClean="0"/>
+              <a:t>結果</a:t>
+            </a:r>
+            <a:r>
+              <a:rPr lang="ja-JP" altLang="en-US" dirty="0" smtClean="0"/>
+              <a:t>（</a:t>
+            </a:r>
+            <a:r>
+              <a:rPr lang="en-US" altLang="ja-JP" dirty="0" smtClean="0"/>
+              <a:t>4</a:t>
+            </a:r>
+            <a:r>
+              <a:rPr lang="ja-JP" altLang="en-US" dirty="0" smtClean="0"/>
+              <a:t>／</a:t>
+            </a:r>
+            <a:r>
+              <a:rPr lang="en-US" altLang="ja-JP" dirty="0"/>
+              <a:t>10</a:t>
+            </a:r>
+            <a:r>
+              <a:rPr lang="ja-JP" altLang="en-US" dirty="0"/>
+              <a:t>）</a:t>
+            </a:r>
+            <a:endParaRPr kumimoji="1" lang="ja-JP" altLang="en-US" dirty="0"/>
+          </a:p>
+        </p:txBody>
+      </p:sp>
+      <p:pic>
+        <p:nvPicPr>
+          <p:cNvPr id="5" name="コンテンツ プレースホルダー 4" descr="スクリーンショット 0029-01-21 17.57.18.png"/>
+          <p:cNvPicPr>
+            <a:picLocks noGrp="1" noChangeAspect="1"/>
+          </p:cNvPicPr>
+          <p:nvPr>
+            <p:ph idx="1"/>
+          </p:nvPr>
+        </p:nvPicPr>
+        <p:blipFill>
+          <a:blip r:embed="rId2">
+            <a:extLst>
+              <a:ext uri="{28A0092B-C50C-407E-A947-70E740481C1C}">
+                <a14:useLocalDpi xmlns:a14="http://schemas.microsoft.com/office/drawing/2010/main" val="0"/>
+              </a:ext>
+            </a:extLst>
+          </a:blip>
+          <a:srcRect l="-23617" r="-23617"/>
+          <a:stretch>
+            <a:fillRect/>
+          </a:stretch>
+        </p:blipFill>
+        <p:spPr/>
+      </p:pic>
+    </p:spTree>
+    <p:extLst>
+      <p:ext uri="{BB962C8B-B14F-4D97-AF65-F5344CB8AC3E}">
+        <p14:creationId xmlns:p14="http://schemas.microsoft.com/office/powerpoint/2010/main" val="1630945001"/>
+      </p:ext>
+    </p:extLst>
+  </p:cSld>
+  <p:clrMapOvr>
+    <a:masterClrMapping/>
+  </p:clrMapOvr>
+</p:sld>
+</file>
+
+<file path=ppt/slides/slide19.xml><?xml version="1.0" encoding="utf-8"?>
+<p:sld xmlns:a="http://schemas.openxmlformats.org/drawingml/2006/main" xmlns:r="http://schemas.openxmlformats.org/officeDocument/2006/relationships" xmlns:p="http://schemas.openxmlformats.org/presentationml/2006/main">
+  <p:cSld>
+    <p:spTree>
+      <p:nvGrpSpPr>
+        <p:cNvPr id="1" name=""/>
+        <p:cNvGrpSpPr/>
+        <p:nvPr/>
+      </p:nvGrpSpPr>
+      <p:grpSpPr>
+        <a:xfrm>
+          <a:off x="0" y="0"/>
+          <a:ext cx="0" cy="0"/>
+          <a:chOff x="0" y="0"/>
+          <a:chExt cx="0" cy="0"/>
+        </a:xfrm>
+      </p:grpSpPr>
+      <p:sp>
+        <p:nvSpPr>
+          <p:cNvPr id="2" name="タイトル 1"/>
+          <p:cNvSpPr>
+            <a:spLocks noGrp="1"/>
+          </p:cNvSpPr>
+          <p:nvPr>
+            <p:ph type="title"/>
+          </p:nvPr>
+        </p:nvSpPr>
+        <p:spPr/>
+        <p:txBody>
+          <a:bodyPr/>
+          <a:lstStyle/>
+          <a:p>
+            <a:r>
+              <a:rPr kumimoji="1" lang="ja-JP" altLang="en-US" dirty="0" smtClean="0"/>
+              <a:t>実験</a:t>
+            </a:r>
+            <a:r>
+              <a:rPr kumimoji="1" lang="ja-JP" altLang="en-US" dirty="0" smtClean="0"/>
+              <a:t>結果</a:t>
+            </a:r>
+            <a:r>
+              <a:rPr lang="ja-JP" altLang="en-US" dirty="0" smtClean="0"/>
+              <a:t>（</a:t>
+            </a:r>
+            <a:r>
+              <a:rPr lang="en-US" altLang="ja-JP" dirty="0"/>
+              <a:t>5</a:t>
+            </a:r>
+            <a:r>
+              <a:rPr lang="ja-JP" altLang="en-US" dirty="0" smtClean="0"/>
+              <a:t>／</a:t>
+            </a:r>
+            <a:r>
+              <a:rPr lang="en-US" altLang="ja-JP" dirty="0" smtClean="0"/>
+              <a:t>10</a:t>
+            </a:r>
+            <a:r>
+              <a:rPr lang="ja-JP" altLang="en-US" dirty="0" smtClean="0"/>
+              <a:t>）</a:t>
+            </a:r>
+            <a:endParaRPr kumimoji="1" lang="ja-JP" altLang="en-US" dirty="0"/>
+          </a:p>
+        </p:txBody>
+      </p:sp>
+      <p:pic>
+        <p:nvPicPr>
+          <p:cNvPr id="5" name="コンテンツ プレースホルダー 4" descr="スクリーンショット 0029-01-21 17.57.25.png"/>
+          <p:cNvPicPr>
+            <a:picLocks noGrp="1" noChangeAspect="1"/>
+          </p:cNvPicPr>
+          <p:nvPr>
+            <p:ph idx="1"/>
+          </p:nvPr>
+        </p:nvPicPr>
+        <p:blipFill>
+          <a:blip r:embed="rId2">
+            <a:extLst>
+              <a:ext uri="{28A0092B-C50C-407E-A947-70E740481C1C}">
+                <a14:useLocalDpi xmlns:a14="http://schemas.microsoft.com/office/drawing/2010/main" val="0"/>
+              </a:ext>
+            </a:extLst>
+          </a:blip>
+          <a:srcRect l="-35535" r="-35535"/>
+          <a:stretch>
+            <a:fillRect/>
+          </a:stretch>
+        </p:blipFill>
+        <p:spPr/>
+      </p:pic>
+    </p:spTree>
+    <p:extLst>
+      <p:ext uri="{BB962C8B-B14F-4D97-AF65-F5344CB8AC3E}">
+        <p14:creationId xmlns:p14="http://schemas.microsoft.com/office/powerpoint/2010/main" val="1173947314"/>
       </p:ext>
     </p:extLst>
   </p:cSld>
@@ -4771,6 +5310,736 @@
 </p:sld>
 </file>
 
+<file path=ppt/slides/slide20.xml><?xml version="1.0" encoding="utf-8"?>
+<p:sld xmlns:a="http://schemas.openxmlformats.org/drawingml/2006/main" xmlns:r="http://schemas.openxmlformats.org/officeDocument/2006/relationships" xmlns:p="http://schemas.openxmlformats.org/presentationml/2006/main">
+  <p:cSld>
+    <p:spTree>
+      <p:nvGrpSpPr>
+        <p:cNvPr id="1" name=""/>
+        <p:cNvGrpSpPr/>
+        <p:nvPr/>
+      </p:nvGrpSpPr>
+      <p:grpSpPr>
+        <a:xfrm>
+          <a:off x="0" y="0"/>
+          <a:ext cx="0" cy="0"/>
+          <a:chOff x="0" y="0"/>
+          <a:chExt cx="0" cy="0"/>
+        </a:xfrm>
+      </p:grpSpPr>
+      <p:sp>
+        <p:nvSpPr>
+          <p:cNvPr id="2" name="タイトル 1"/>
+          <p:cNvSpPr>
+            <a:spLocks noGrp="1"/>
+          </p:cNvSpPr>
+          <p:nvPr>
+            <p:ph type="title"/>
+          </p:nvPr>
+        </p:nvSpPr>
+        <p:spPr/>
+        <p:txBody>
+          <a:bodyPr/>
+          <a:lstStyle/>
+          <a:p>
+            <a:r>
+              <a:rPr kumimoji="1" lang="ja-JP" altLang="en-US" dirty="0" smtClean="0"/>
+              <a:t>実験</a:t>
+            </a:r>
+            <a:r>
+              <a:rPr kumimoji="1" lang="ja-JP" altLang="en-US" dirty="0" smtClean="0"/>
+              <a:t>結果</a:t>
+            </a:r>
+            <a:r>
+              <a:rPr lang="ja-JP" altLang="en-US" dirty="0" smtClean="0"/>
+              <a:t>（</a:t>
+            </a:r>
+            <a:r>
+              <a:rPr lang="en-US" altLang="ja-JP" dirty="0" smtClean="0"/>
+              <a:t>6</a:t>
+            </a:r>
+            <a:r>
+              <a:rPr lang="ja-JP" altLang="en-US" dirty="0" smtClean="0"/>
+              <a:t>／</a:t>
+            </a:r>
+            <a:r>
+              <a:rPr lang="en-US" altLang="ja-JP" dirty="0"/>
+              <a:t>10</a:t>
+            </a:r>
+            <a:r>
+              <a:rPr lang="ja-JP" altLang="en-US" dirty="0"/>
+              <a:t>）</a:t>
+            </a:r>
+            <a:endParaRPr kumimoji="1" lang="ja-JP" altLang="en-US" dirty="0"/>
+          </a:p>
+        </p:txBody>
+      </p:sp>
+      <p:pic>
+        <p:nvPicPr>
+          <p:cNvPr id="4" name="コンテンツ プレースホルダー 3" descr="スクリーンショット 0029-01-21 17.57.37.png"/>
+          <p:cNvPicPr>
+            <a:picLocks noGrp="1" noChangeAspect="1"/>
+          </p:cNvPicPr>
+          <p:nvPr>
+            <p:ph idx="1"/>
+          </p:nvPr>
+        </p:nvPicPr>
+        <p:blipFill>
+          <a:blip r:embed="rId2">
+            <a:extLst>
+              <a:ext uri="{28A0092B-C50C-407E-A947-70E740481C1C}">
+                <a14:useLocalDpi xmlns:a14="http://schemas.microsoft.com/office/drawing/2010/main" val="0"/>
+              </a:ext>
+            </a:extLst>
+          </a:blip>
+          <a:srcRect l="-36328" r="-36328"/>
+          <a:stretch>
+            <a:fillRect/>
+          </a:stretch>
+        </p:blipFill>
+        <p:spPr/>
+      </p:pic>
+    </p:spTree>
+    <p:extLst>
+      <p:ext uri="{BB962C8B-B14F-4D97-AF65-F5344CB8AC3E}">
+        <p14:creationId xmlns:p14="http://schemas.microsoft.com/office/powerpoint/2010/main" val="1870930466"/>
+      </p:ext>
+    </p:extLst>
+  </p:cSld>
+  <p:clrMapOvr>
+    <a:masterClrMapping/>
+  </p:clrMapOvr>
+</p:sld>
+</file>
+
+<file path=ppt/slides/slide21.xml><?xml version="1.0" encoding="utf-8"?>
+<p:sld xmlns:a="http://schemas.openxmlformats.org/drawingml/2006/main" xmlns:r="http://schemas.openxmlformats.org/officeDocument/2006/relationships" xmlns:p="http://schemas.openxmlformats.org/presentationml/2006/main">
+  <p:cSld>
+    <p:spTree>
+      <p:nvGrpSpPr>
+        <p:cNvPr id="1" name=""/>
+        <p:cNvGrpSpPr/>
+        <p:nvPr/>
+      </p:nvGrpSpPr>
+      <p:grpSpPr>
+        <a:xfrm>
+          <a:off x="0" y="0"/>
+          <a:ext cx="0" cy="0"/>
+          <a:chOff x="0" y="0"/>
+          <a:chExt cx="0" cy="0"/>
+        </a:xfrm>
+      </p:grpSpPr>
+      <p:sp>
+        <p:nvSpPr>
+          <p:cNvPr id="2" name="タイトル 1"/>
+          <p:cNvSpPr>
+            <a:spLocks noGrp="1"/>
+          </p:cNvSpPr>
+          <p:nvPr>
+            <p:ph type="title"/>
+          </p:nvPr>
+        </p:nvSpPr>
+        <p:spPr/>
+        <p:txBody>
+          <a:bodyPr/>
+          <a:lstStyle/>
+          <a:p>
+            <a:r>
+              <a:rPr kumimoji="1" lang="ja-JP" altLang="en-US" dirty="0" smtClean="0"/>
+              <a:t>実験</a:t>
+            </a:r>
+            <a:r>
+              <a:rPr kumimoji="1" lang="ja-JP" altLang="en-US" dirty="0" smtClean="0"/>
+              <a:t>結果</a:t>
+            </a:r>
+            <a:r>
+              <a:rPr lang="ja-JP" altLang="en-US" dirty="0" smtClean="0"/>
+              <a:t>（</a:t>
+            </a:r>
+            <a:r>
+              <a:rPr lang="en-US" altLang="ja-JP" dirty="0" smtClean="0"/>
+              <a:t>7</a:t>
+            </a:r>
+            <a:r>
+              <a:rPr lang="ja-JP" altLang="en-US" dirty="0" smtClean="0"/>
+              <a:t>／</a:t>
+            </a:r>
+            <a:r>
+              <a:rPr lang="en-US" altLang="ja-JP" dirty="0"/>
+              <a:t>10</a:t>
+            </a:r>
+            <a:r>
+              <a:rPr lang="ja-JP" altLang="en-US" dirty="0"/>
+              <a:t>）</a:t>
+            </a:r>
+            <a:endParaRPr kumimoji="1" lang="ja-JP" altLang="en-US" dirty="0"/>
+          </a:p>
+        </p:txBody>
+      </p:sp>
+      <p:pic>
+        <p:nvPicPr>
+          <p:cNvPr id="4" name="コンテンツ プレースホルダー 3" descr="スクリーンショット 0029-01-21 18.01.57.png"/>
+          <p:cNvPicPr>
+            <a:picLocks noGrp="1" noChangeAspect="1"/>
+          </p:cNvPicPr>
+          <p:nvPr>
+            <p:ph idx="1"/>
+          </p:nvPr>
+        </p:nvPicPr>
+        <p:blipFill>
+          <a:blip r:embed="rId2">
+            <a:extLst>
+              <a:ext uri="{28A0092B-C50C-407E-A947-70E740481C1C}">
+                <a14:useLocalDpi xmlns:a14="http://schemas.microsoft.com/office/drawing/2010/main" val="0"/>
+              </a:ext>
+            </a:extLst>
+          </a:blip>
+          <a:srcRect t="-21225" b="-21225"/>
+          <a:stretch>
+            <a:fillRect/>
+          </a:stretch>
+        </p:blipFill>
+        <p:spPr/>
+      </p:pic>
+    </p:spTree>
+    <p:extLst>
+      <p:ext uri="{BB962C8B-B14F-4D97-AF65-F5344CB8AC3E}">
+        <p14:creationId xmlns:p14="http://schemas.microsoft.com/office/powerpoint/2010/main" val="3469528624"/>
+      </p:ext>
+    </p:extLst>
+  </p:cSld>
+  <p:clrMapOvr>
+    <a:masterClrMapping/>
+  </p:clrMapOvr>
+</p:sld>
+</file>
+
+<file path=ppt/slides/slide22.xml><?xml version="1.0" encoding="utf-8"?>
+<p:sld xmlns:a="http://schemas.openxmlformats.org/drawingml/2006/main" xmlns:r="http://schemas.openxmlformats.org/officeDocument/2006/relationships" xmlns:p="http://schemas.openxmlformats.org/presentationml/2006/main">
+  <p:cSld>
+    <p:spTree>
+      <p:nvGrpSpPr>
+        <p:cNvPr id="1" name=""/>
+        <p:cNvGrpSpPr/>
+        <p:nvPr/>
+      </p:nvGrpSpPr>
+      <p:grpSpPr>
+        <a:xfrm>
+          <a:off x="0" y="0"/>
+          <a:ext cx="0" cy="0"/>
+          <a:chOff x="0" y="0"/>
+          <a:chExt cx="0" cy="0"/>
+        </a:xfrm>
+      </p:grpSpPr>
+      <p:sp>
+        <p:nvSpPr>
+          <p:cNvPr id="2" name="タイトル 1"/>
+          <p:cNvSpPr>
+            <a:spLocks noGrp="1"/>
+          </p:cNvSpPr>
+          <p:nvPr>
+            <p:ph type="title"/>
+          </p:nvPr>
+        </p:nvSpPr>
+        <p:spPr/>
+        <p:txBody>
+          <a:bodyPr/>
+          <a:lstStyle/>
+          <a:p>
+            <a:r>
+              <a:rPr kumimoji="1" lang="ja-JP" altLang="en-US" dirty="0" smtClean="0"/>
+              <a:t>実験</a:t>
+            </a:r>
+            <a:r>
+              <a:rPr kumimoji="1" lang="ja-JP" altLang="en-US" dirty="0" smtClean="0"/>
+              <a:t>結果</a:t>
+            </a:r>
+            <a:r>
+              <a:rPr lang="ja-JP" altLang="en-US" dirty="0" smtClean="0"/>
+              <a:t>（</a:t>
+            </a:r>
+            <a:r>
+              <a:rPr lang="en-US" altLang="ja-JP" dirty="0" smtClean="0"/>
+              <a:t>8</a:t>
+            </a:r>
+            <a:r>
+              <a:rPr lang="ja-JP" altLang="en-US" dirty="0" smtClean="0"/>
+              <a:t>／</a:t>
+            </a:r>
+            <a:r>
+              <a:rPr lang="en-US" altLang="ja-JP" dirty="0"/>
+              <a:t>10</a:t>
+            </a:r>
+            <a:r>
+              <a:rPr lang="ja-JP" altLang="en-US" dirty="0"/>
+              <a:t>）</a:t>
+            </a:r>
+            <a:endParaRPr kumimoji="1" lang="ja-JP" altLang="en-US" dirty="0"/>
+          </a:p>
+        </p:txBody>
+      </p:sp>
+      <p:pic>
+        <p:nvPicPr>
+          <p:cNvPr id="4" name="コンテンツ プレースホルダー 3" descr="スクリーンショット 0029-01-21 18.02.04.png"/>
+          <p:cNvPicPr>
+            <a:picLocks noGrp="1" noChangeAspect="1"/>
+          </p:cNvPicPr>
+          <p:nvPr>
+            <p:ph idx="1"/>
+          </p:nvPr>
+        </p:nvPicPr>
+        <p:blipFill>
+          <a:blip r:embed="rId2">
+            <a:extLst>
+              <a:ext uri="{28A0092B-C50C-407E-A947-70E740481C1C}">
+                <a14:useLocalDpi xmlns:a14="http://schemas.microsoft.com/office/drawing/2010/main" val="0"/>
+              </a:ext>
+            </a:extLst>
+          </a:blip>
+          <a:srcRect t="-21604" b="-21604"/>
+          <a:stretch>
+            <a:fillRect/>
+          </a:stretch>
+        </p:blipFill>
+        <p:spPr/>
+      </p:pic>
+    </p:spTree>
+    <p:extLst>
+      <p:ext uri="{BB962C8B-B14F-4D97-AF65-F5344CB8AC3E}">
+        <p14:creationId xmlns:p14="http://schemas.microsoft.com/office/powerpoint/2010/main" val="3118656135"/>
+      </p:ext>
+    </p:extLst>
+  </p:cSld>
+  <p:clrMapOvr>
+    <a:masterClrMapping/>
+  </p:clrMapOvr>
+</p:sld>
+</file>
+
+<file path=ppt/slides/slide23.xml><?xml version="1.0" encoding="utf-8"?>
+<p:sld xmlns:a="http://schemas.openxmlformats.org/drawingml/2006/main" xmlns:r="http://schemas.openxmlformats.org/officeDocument/2006/relationships" xmlns:p="http://schemas.openxmlformats.org/presentationml/2006/main">
+  <p:cSld>
+    <p:spTree>
+      <p:nvGrpSpPr>
+        <p:cNvPr id="1" name=""/>
+        <p:cNvGrpSpPr/>
+        <p:nvPr/>
+      </p:nvGrpSpPr>
+      <p:grpSpPr>
+        <a:xfrm>
+          <a:off x="0" y="0"/>
+          <a:ext cx="0" cy="0"/>
+          <a:chOff x="0" y="0"/>
+          <a:chExt cx="0" cy="0"/>
+        </a:xfrm>
+      </p:grpSpPr>
+      <p:sp>
+        <p:nvSpPr>
+          <p:cNvPr id="2" name="タイトル 1"/>
+          <p:cNvSpPr>
+            <a:spLocks noGrp="1"/>
+          </p:cNvSpPr>
+          <p:nvPr>
+            <p:ph type="title"/>
+          </p:nvPr>
+        </p:nvSpPr>
+        <p:spPr/>
+        <p:txBody>
+          <a:bodyPr/>
+          <a:lstStyle/>
+          <a:p>
+            <a:r>
+              <a:rPr kumimoji="1" lang="ja-JP" altLang="en-US" dirty="0" smtClean="0"/>
+              <a:t>実験</a:t>
+            </a:r>
+            <a:r>
+              <a:rPr kumimoji="1" lang="ja-JP" altLang="en-US" dirty="0" smtClean="0"/>
+              <a:t>結果</a:t>
+            </a:r>
+            <a:r>
+              <a:rPr lang="ja-JP" altLang="en-US" dirty="0" smtClean="0"/>
+              <a:t>（</a:t>
+            </a:r>
+            <a:r>
+              <a:rPr lang="en-US" altLang="ja-JP" dirty="0" smtClean="0"/>
+              <a:t>9</a:t>
+            </a:r>
+            <a:r>
+              <a:rPr lang="ja-JP" altLang="en-US" dirty="0" smtClean="0"/>
+              <a:t>／</a:t>
+            </a:r>
+            <a:r>
+              <a:rPr lang="en-US" altLang="ja-JP" dirty="0"/>
+              <a:t>10</a:t>
+            </a:r>
+            <a:r>
+              <a:rPr lang="ja-JP" altLang="en-US" dirty="0"/>
+              <a:t>）</a:t>
+            </a:r>
+            <a:endParaRPr kumimoji="1" lang="ja-JP" altLang="en-US" dirty="0"/>
+          </a:p>
+        </p:txBody>
+      </p:sp>
+      <p:pic>
+        <p:nvPicPr>
+          <p:cNvPr id="5" name="コンテンツ プレースホルダー 4" descr="スクリーンショット 0029-01-21 17.58.00.png"/>
+          <p:cNvPicPr>
+            <a:picLocks noGrp="1" noChangeAspect="1"/>
+          </p:cNvPicPr>
+          <p:nvPr>
+            <p:ph idx="1"/>
+          </p:nvPr>
+        </p:nvPicPr>
+        <p:blipFill>
+          <a:blip r:embed="rId2">
+            <a:extLst>
+              <a:ext uri="{28A0092B-C50C-407E-A947-70E740481C1C}">
+                <a14:useLocalDpi xmlns:a14="http://schemas.microsoft.com/office/drawing/2010/main" val="0"/>
+              </a:ext>
+            </a:extLst>
+          </a:blip>
+          <a:srcRect t="-5623" b="-5623"/>
+          <a:stretch>
+            <a:fillRect/>
+          </a:stretch>
+        </p:blipFill>
+        <p:spPr/>
+      </p:pic>
+    </p:spTree>
+    <p:extLst>
+      <p:ext uri="{BB962C8B-B14F-4D97-AF65-F5344CB8AC3E}">
+        <p14:creationId xmlns:p14="http://schemas.microsoft.com/office/powerpoint/2010/main" val="1405896434"/>
+      </p:ext>
+    </p:extLst>
+  </p:cSld>
+  <p:clrMapOvr>
+    <a:masterClrMapping/>
+  </p:clrMapOvr>
+</p:sld>
+</file>
+
+<file path=ppt/slides/slide24.xml><?xml version="1.0" encoding="utf-8"?>
+<p:sld xmlns:a="http://schemas.openxmlformats.org/drawingml/2006/main" xmlns:r="http://schemas.openxmlformats.org/officeDocument/2006/relationships" xmlns:p="http://schemas.openxmlformats.org/presentationml/2006/main">
+  <p:cSld>
+    <p:spTree>
+      <p:nvGrpSpPr>
+        <p:cNvPr id="1" name=""/>
+        <p:cNvGrpSpPr/>
+        <p:nvPr/>
+      </p:nvGrpSpPr>
+      <p:grpSpPr>
+        <a:xfrm>
+          <a:off x="0" y="0"/>
+          <a:ext cx="0" cy="0"/>
+          <a:chOff x="0" y="0"/>
+          <a:chExt cx="0" cy="0"/>
+        </a:xfrm>
+      </p:grpSpPr>
+      <p:sp>
+        <p:nvSpPr>
+          <p:cNvPr id="2" name="タイトル 1"/>
+          <p:cNvSpPr>
+            <a:spLocks noGrp="1"/>
+          </p:cNvSpPr>
+          <p:nvPr>
+            <p:ph type="title"/>
+          </p:nvPr>
+        </p:nvSpPr>
+        <p:spPr/>
+        <p:txBody>
+          <a:bodyPr/>
+          <a:lstStyle/>
+          <a:p>
+            <a:r>
+              <a:rPr kumimoji="1" lang="ja-JP" altLang="en-US" dirty="0" smtClean="0"/>
+              <a:t>実験</a:t>
+            </a:r>
+            <a:r>
+              <a:rPr kumimoji="1" lang="ja-JP" altLang="en-US" dirty="0" smtClean="0"/>
+              <a:t>結果</a:t>
+            </a:r>
+            <a:r>
+              <a:rPr lang="ja-JP" altLang="en-US" dirty="0"/>
+              <a:t>（</a:t>
+            </a:r>
+            <a:r>
+              <a:rPr lang="en-US" altLang="ja-JP" dirty="0" smtClean="0"/>
+              <a:t>1</a:t>
+            </a:r>
+            <a:r>
+              <a:rPr lang="en-US" altLang="ja-JP" dirty="0" smtClean="0"/>
+              <a:t>0</a:t>
+            </a:r>
+            <a:r>
+              <a:rPr lang="ja-JP" altLang="en-US" dirty="0" smtClean="0"/>
+              <a:t>／</a:t>
+            </a:r>
+            <a:r>
+              <a:rPr lang="en-US" altLang="ja-JP" dirty="0"/>
+              <a:t>10</a:t>
+            </a:r>
+            <a:r>
+              <a:rPr lang="ja-JP" altLang="en-US" dirty="0"/>
+              <a:t>）</a:t>
+            </a:r>
+            <a:endParaRPr kumimoji="1" lang="ja-JP" altLang="en-US" dirty="0"/>
+          </a:p>
+        </p:txBody>
+      </p:sp>
+      <p:pic>
+        <p:nvPicPr>
+          <p:cNvPr id="5" name="コンテンツ プレースホルダー 4" descr="スクリーンショット 0029-01-21 17.58.06.png"/>
+          <p:cNvPicPr>
+            <a:picLocks noGrp="1" noChangeAspect="1"/>
+          </p:cNvPicPr>
+          <p:nvPr>
+            <p:ph idx="1"/>
+          </p:nvPr>
+        </p:nvPicPr>
+        <p:blipFill>
+          <a:blip r:embed="rId2">
+            <a:extLst>
+              <a:ext uri="{28A0092B-C50C-407E-A947-70E740481C1C}">
+                <a14:useLocalDpi xmlns:a14="http://schemas.microsoft.com/office/drawing/2010/main" val="0"/>
+              </a:ext>
+            </a:extLst>
+          </a:blip>
+          <a:srcRect t="-5621" b="-5621"/>
+          <a:stretch>
+            <a:fillRect/>
+          </a:stretch>
+        </p:blipFill>
+        <p:spPr/>
+      </p:pic>
+    </p:spTree>
+    <p:extLst>
+      <p:ext uri="{BB962C8B-B14F-4D97-AF65-F5344CB8AC3E}">
+        <p14:creationId xmlns:p14="http://schemas.microsoft.com/office/powerpoint/2010/main" val="1847827732"/>
+      </p:ext>
+    </p:extLst>
+  </p:cSld>
+  <p:clrMapOvr>
+    <a:masterClrMapping/>
+  </p:clrMapOvr>
+</p:sld>
+</file>
+
+<file path=ppt/slides/slide25.xml><?xml version="1.0" encoding="utf-8"?>
+<p:sld xmlns:a="http://schemas.openxmlformats.org/drawingml/2006/main" xmlns:r="http://schemas.openxmlformats.org/officeDocument/2006/relationships" xmlns:p="http://schemas.openxmlformats.org/presentationml/2006/main">
+  <p:cSld>
+    <p:spTree>
+      <p:nvGrpSpPr>
+        <p:cNvPr id="1" name=""/>
+        <p:cNvGrpSpPr/>
+        <p:nvPr/>
+      </p:nvGrpSpPr>
+      <p:grpSpPr>
+        <a:xfrm>
+          <a:off x="0" y="0"/>
+          <a:ext cx="0" cy="0"/>
+          <a:chOff x="0" y="0"/>
+          <a:chExt cx="0" cy="0"/>
+        </a:xfrm>
+      </p:grpSpPr>
+      <p:sp>
+        <p:nvSpPr>
+          <p:cNvPr id="2" name="タイトル 1"/>
+          <p:cNvSpPr>
+            <a:spLocks noGrp="1"/>
+          </p:cNvSpPr>
+          <p:nvPr>
+            <p:ph type="title"/>
+          </p:nvPr>
+        </p:nvSpPr>
+        <p:spPr/>
+        <p:txBody>
+          <a:bodyPr/>
+          <a:lstStyle/>
+          <a:p>
+            <a:r>
+              <a:rPr kumimoji="1" lang="ja-JP" altLang="en-US" dirty="0" smtClean="0"/>
+              <a:t>評価</a:t>
+            </a:r>
+            <a:endParaRPr kumimoji="1" lang="ja-JP" altLang="en-US" dirty="0"/>
+          </a:p>
+        </p:txBody>
+      </p:sp>
+      <p:sp>
+        <p:nvSpPr>
+          <p:cNvPr id="3" name="コンテンツ プレースホルダー 2"/>
+          <p:cNvSpPr>
+            <a:spLocks noGrp="1"/>
+          </p:cNvSpPr>
+          <p:nvPr>
+            <p:ph idx="1"/>
+          </p:nvPr>
+        </p:nvSpPr>
+        <p:spPr/>
+        <p:txBody>
+          <a:bodyPr/>
+          <a:lstStyle/>
+          <a:p>
+            <a:endParaRPr kumimoji="1" lang="ja-JP" altLang="en-US" dirty="0"/>
+          </a:p>
+        </p:txBody>
+      </p:sp>
+    </p:spTree>
+    <p:extLst>
+      <p:ext uri="{BB962C8B-B14F-4D97-AF65-F5344CB8AC3E}">
+        <p14:creationId xmlns:p14="http://schemas.microsoft.com/office/powerpoint/2010/main" val="4050209343"/>
+      </p:ext>
+    </p:extLst>
+  </p:cSld>
+  <p:clrMapOvr>
+    <a:masterClrMapping/>
+  </p:clrMapOvr>
+</p:sld>
+</file>
+
+<file path=ppt/slides/slide26.xml><?xml version="1.0" encoding="utf-8"?>
+<p:sld xmlns:a="http://schemas.openxmlformats.org/drawingml/2006/main" xmlns:r="http://schemas.openxmlformats.org/officeDocument/2006/relationships" xmlns:p="http://schemas.openxmlformats.org/presentationml/2006/main">
+  <p:cSld>
+    <p:spTree>
+      <p:nvGrpSpPr>
+        <p:cNvPr id="1" name=""/>
+        <p:cNvGrpSpPr/>
+        <p:nvPr/>
+      </p:nvGrpSpPr>
+      <p:grpSpPr>
+        <a:xfrm>
+          <a:off x="0" y="0"/>
+          <a:ext cx="0" cy="0"/>
+          <a:chOff x="0" y="0"/>
+          <a:chExt cx="0" cy="0"/>
+        </a:xfrm>
+      </p:grpSpPr>
+      <p:sp>
+        <p:nvSpPr>
+          <p:cNvPr id="2" name="タイトル 1"/>
+          <p:cNvSpPr>
+            <a:spLocks noGrp="1"/>
+          </p:cNvSpPr>
+          <p:nvPr>
+            <p:ph type="title"/>
+          </p:nvPr>
+        </p:nvSpPr>
+        <p:spPr/>
+        <p:txBody>
+          <a:bodyPr/>
+          <a:lstStyle/>
+          <a:p>
+            <a:r>
+              <a:rPr kumimoji="1" lang="ja-JP" altLang="en-US" dirty="0" smtClean="0"/>
+              <a:t>今後の展望</a:t>
+            </a:r>
+            <a:endParaRPr kumimoji="1" lang="ja-JP" altLang="en-US" dirty="0"/>
+          </a:p>
+        </p:txBody>
+      </p:sp>
+      <p:sp>
+        <p:nvSpPr>
+          <p:cNvPr id="3" name="コンテンツ プレースホルダー 2"/>
+          <p:cNvSpPr>
+            <a:spLocks noGrp="1"/>
+          </p:cNvSpPr>
+          <p:nvPr>
+            <p:ph idx="1"/>
+          </p:nvPr>
+        </p:nvSpPr>
+        <p:spPr/>
+        <p:txBody>
+          <a:bodyPr/>
+          <a:lstStyle/>
+          <a:p>
+            <a:endParaRPr kumimoji="1" lang="ja-JP" altLang="en-US"/>
+          </a:p>
+        </p:txBody>
+      </p:sp>
+    </p:spTree>
+    <p:extLst>
+      <p:ext uri="{BB962C8B-B14F-4D97-AF65-F5344CB8AC3E}">
+        <p14:creationId xmlns:p14="http://schemas.microsoft.com/office/powerpoint/2010/main" val="3820877570"/>
+      </p:ext>
+    </p:extLst>
+  </p:cSld>
+  <p:clrMapOvr>
+    <a:masterClrMapping/>
+  </p:clrMapOvr>
+</p:sld>
+</file>
+
+<file path=ppt/slides/slide27.xml><?xml version="1.0" encoding="utf-8"?>
+<p:sld xmlns:a="http://schemas.openxmlformats.org/drawingml/2006/main" xmlns:r="http://schemas.openxmlformats.org/officeDocument/2006/relationships" xmlns:p="http://schemas.openxmlformats.org/presentationml/2006/main">
+  <p:cSld>
+    <p:spTree>
+      <p:nvGrpSpPr>
+        <p:cNvPr id="1" name=""/>
+        <p:cNvGrpSpPr/>
+        <p:nvPr/>
+      </p:nvGrpSpPr>
+      <p:grpSpPr>
+        <a:xfrm>
+          <a:off x="0" y="0"/>
+          <a:ext cx="0" cy="0"/>
+          <a:chOff x="0" y="0"/>
+          <a:chExt cx="0" cy="0"/>
+        </a:xfrm>
+      </p:grpSpPr>
+      <p:sp>
+        <p:nvSpPr>
+          <p:cNvPr id="2" name="タイトル 1"/>
+          <p:cNvSpPr>
+            <a:spLocks noGrp="1"/>
+          </p:cNvSpPr>
+          <p:nvPr>
+            <p:ph type="ctrTitle"/>
+          </p:nvPr>
+        </p:nvSpPr>
+        <p:spPr/>
+        <p:txBody>
+          <a:bodyPr/>
+          <a:lstStyle/>
+          <a:p>
+            <a:r>
+              <a:rPr lang="ja-JP" altLang="en-US" dirty="0" smtClean="0"/>
+              <a:t>ご静聴ありがとうございました。</a:t>
+            </a:r>
+            <a:endParaRPr kumimoji="1" lang="ja-JP" altLang="en-US" dirty="0"/>
+          </a:p>
+        </p:txBody>
+      </p:sp>
+      <p:sp>
+        <p:nvSpPr>
+          <p:cNvPr id="3" name="サブタイトル 2"/>
+          <p:cNvSpPr>
+            <a:spLocks noGrp="1"/>
+          </p:cNvSpPr>
+          <p:nvPr>
+            <p:ph type="subTitle" idx="1"/>
+          </p:nvPr>
+        </p:nvSpPr>
+        <p:spPr/>
+        <p:txBody>
+          <a:bodyPr/>
+          <a:lstStyle/>
+          <a:p>
+            <a:endParaRPr kumimoji="1" lang="ja-JP" altLang="en-US"/>
+          </a:p>
+        </p:txBody>
+      </p:sp>
+    </p:spTree>
+    <p:extLst>
+      <p:ext uri="{BB962C8B-B14F-4D97-AF65-F5344CB8AC3E}">
+        <p14:creationId xmlns:p14="http://schemas.microsoft.com/office/powerpoint/2010/main" val="4113655095"/>
+      </p:ext>
+    </p:extLst>
+  </p:cSld>
+  <p:clrMapOvr>
+    <a:masterClrMapping/>
+  </p:clrMapOvr>
+</p:sld>
+</file>
+
 <file path=ppt/slides/slide3.xml><?xml version="1.0" encoding="utf-8"?>
 <p:sld xmlns:a="http://schemas.openxmlformats.org/drawingml/2006/main" xmlns:r="http://schemas.openxmlformats.org/officeDocument/2006/relationships" xmlns:p="http://schemas.openxmlformats.org/presentationml/2006/main">
   <p:cSld>
@@ -4858,7 +6127,6 @@
               <a:rPr lang="en-US" altLang="ja-JP" dirty="0" smtClean="0"/>
               <a:t>”Scratch”</a:t>
             </a:r>
-            <a:endParaRPr lang="en-US" altLang="ja-JP" dirty="0" smtClean="0"/>
           </a:p>
           <a:p>
             <a:r>
@@ -5446,15 +6714,7 @@
           <a:p>
             <a:r>
               <a:rPr kumimoji="1" lang="ja-JP" altLang="en-US" dirty="0" smtClean="0"/>
-              <a:t>リミックスツリー</a:t>
-            </a:r>
-            <a:r>
-              <a:rPr kumimoji="1" lang="ja-JP" altLang="en-US" dirty="0" smtClean="0"/>
-              <a:t>の</a:t>
-            </a:r>
-            <a:r>
-              <a:rPr kumimoji="1" lang="ja-JP" altLang="en-US" dirty="0" smtClean="0"/>
-              <a:t>現状</a:t>
+              <a:t>リミックスツリーの現状</a:t>
             </a:r>
             <a:endParaRPr kumimoji="1" lang="ja-JP" altLang="en-US" dirty="0"/>
           </a:p>
